--- a/卢老师论文汇报/1122汇报 .pptx
+++ b/卢老师论文汇报/1122汇报 .pptx
@@ -10,6 +10,19 @@
     <p:sldId id="435" r:id="rId4"/>
     <p:sldId id="436" r:id="rId5"/>
     <p:sldId id="437" r:id="rId6"/>
+    <p:sldId id="444" r:id="rId7"/>
+    <p:sldId id="445" r:id="rId8"/>
+    <p:sldId id="446" r:id="rId9"/>
+    <p:sldId id="447" r:id="rId10"/>
+    <p:sldId id="448" r:id="rId11"/>
+    <p:sldId id="449" r:id="rId12"/>
+    <p:sldId id="450" r:id="rId13"/>
+    <p:sldId id="438" r:id="rId14"/>
+    <p:sldId id="440" r:id="rId15"/>
+    <p:sldId id="439" r:id="rId16"/>
+    <p:sldId id="441" r:id="rId17"/>
+    <p:sldId id="442" r:id="rId18"/>
+    <p:sldId id="443" r:id="rId19"/>
   </p:sldIdLst>
   <p:sldSz cx="12192000" cy="6858000"/>
   <p:notesSz cx="6858000" cy="9144000"/>
@@ -263,7 +276,7 @@
           <a:p>
             <a:fld id="{05D1DEA3-224F-45CD-ABFB-AAB1758CA7DD}" type="datetimeFigureOut">
               <a:rPr lang="zh-CN" altLang="en-US" smtClean="0"/>
-              <a:t>2023/11/19</a:t>
+              <a:t>2023/11/21</a:t>
             </a:fld>
             <a:endParaRPr lang="zh-CN" altLang="en-US"/>
           </a:p>
@@ -461,7 +474,7 @@
           <a:p>
             <a:fld id="{05D1DEA3-224F-45CD-ABFB-AAB1758CA7DD}" type="datetimeFigureOut">
               <a:rPr lang="zh-CN" altLang="en-US" smtClean="0"/>
-              <a:t>2023/11/19</a:t>
+              <a:t>2023/11/21</a:t>
             </a:fld>
             <a:endParaRPr lang="zh-CN" altLang="en-US"/>
           </a:p>
@@ -669,7 +682,7 @@
           <a:p>
             <a:fld id="{05D1DEA3-224F-45CD-ABFB-AAB1758CA7DD}" type="datetimeFigureOut">
               <a:rPr lang="zh-CN" altLang="en-US" smtClean="0"/>
-              <a:t>2023/11/19</a:t>
+              <a:t>2023/11/21</a:t>
             </a:fld>
             <a:endParaRPr lang="zh-CN" altLang="en-US"/>
           </a:p>
@@ -867,7 +880,7 @@
           <a:p>
             <a:fld id="{05D1DEA3-224F-45CD-ABFB-AAB1758CA7DD}" type="datetimeFigureOut">
               <a:rPr lang="zh-CN" altLang="en-US" smtClean="0"/>
-              <a:t>2023/11/19</a:t>
+              <a:t>2023/11/21</a:t>
             </a:fld>
             <a:endParaRPr lang="zh-CN" altLang="en-US"/>
           </a:p>
@@ -1142,7 +1155,7 @@
           <a:p>
             <a:fld id="{05D1DEA3-224F-45CD-ABFB-AAB1758CA7DD}" type="datetimeFigureOut">
               <a:rPr lang="zh-CN" altLang="en-US" smtClean="0"/>
-              <a:t>2023/11/19</a:t>
+              <a:t>2023/11/21</a:t>
             </a:fld>
             <a:endParaRPr lang="zh-CN" altLang="en-US"/>
           </a:p>
@@ -1407,7 +1420,7 @@
           <a:p>
             <a:fld id="{05D1DEA3-224F-45CD-ABFB-AAB1758CA7DD}" type="datetimeFigureOut">
               <a:rPr lang="zh-CN" altLang="en-US" smtClean="0"/>
-              <a:t>2023/11/19</a:t>
+              <a:t>2023/11/21</a:t>
             </a:fld>
             <a:endParaRPr lang="zh-CN" altLang="en-US"/>
           </a:p>
@@ -1819,7 +1832,7 @@
           <a:p>
             <a:fld id="{05D1DEA3-224F-45CD-ABFB-AAB1758CA7DD}" type="datetimeFigureOut">
               <a:rPr lang="zh-CN" altLang="en-US" smtClean="0"/>
-              <a:t>2023/11/19</a:t>
+              <a:t>2023/11/21</a:t>
             </a:fld>
             <a:endParaRPr lang="zh-CN" altLang="en-US"/>
           </a:p>
@@ -1960,7 +1973,7 @@
           <a:p>
             <a:fld id="{05D1DEA3-224F-45CD-ABFB-AAB1758CA7DD}" type="datetimeFigureOut">
               <a:rPr lang="zh-CN" altLang="en-US" smtClean="0"/>
-              <a:t>2023/11/19</a:t>
+              <a:t>2023/11/21</a:t>
             </a:fld>
             <a:endParaRPr lang="zh-CN" altLang="en-US"/>
           </a:p>
@@ -2073,7 +2086,7 @@
           <a:p>
             <a:fld id="{05D1DEA3-224F-45CD-ABFB-AAB1758CA7DD}" type="datetimeFigureOut">
               <a:rPr lang="zh-CN" altLang="en-US" smtClean="0"/>
-              <a:t>2023/11/19</a:t>
+              <a:t>2023/11/21</a:t>
             </a:fld>
             <a:endParaRPr lang="zh-CN" altLang="en-US"/>
           </a:p>
@@ -2384,7 +2397,7 @@
           <a:p>
             <a:fld id="{05D1DEA3-224F-45CD-ABFB-AAB1758CA7DD}" type="datetimeFigureOut">
               <a:rPr lang="zh-CN" altLang="en-US" smtClean="0"/>
-              <a:t>2023/11/19</a:t>
+              <a:t>2023/11/21</a:t>
             </a:fld>
             <a:endParaRPr lang="zh-CN" altLang="en-US"/>
           </a:p>
@@ -2672,7 +2685,7 @@
           <a:p>
             <a:fld id="{05D1DEA3-224F-45CD-ABFB-AAB1758CA7DD}" type="datetimeFigureOut">
               <a:rPr lang="zh-CN" altLang="en-US" smtClean="0"/>
-              <a:t>2023/11/19</a:t>
+              <a:t>2023/11/21</a:t>
             </a:fld>
             <a:endParaRPr lang="zh-CN" altLang="en-US"/>
           </a:p>
@@ -2913,7 +2926,7 @@
           <a:p>
             <a:fld id="{05D1DEA3-224F-45CD-ABFB-AAB1758CA7DD}" type="datetimeFigureOut">
               <a:rPr lang="zh-CN" altLang="en-US" smtClean="0"/>
-              <a:t>2023/11/19</a:t>
+              <a:t>2023/11/21</a:t>
             </a:fld>
             <a:endParaRPr lang="zh-CN" altLang="en-US"/>
           </a:p>
@@ -7271,6 +7284,1270 @@
 </p:sld>
 </file>
 
+<file path=ppt/slides/slide10.xml><?xml version="1.0" encoding="utf-8"?>
+<p:sld xmlns:a="http://schemas.openxmlformats.org/drawingml/2006/main" xmlns:r="http://schemas.openxmlformats.org/officeDocument/2006/relationships" xmlns:p="http://schemas.openxmlformats.org/presentationml/2006/main">
+  <p:cSld>
+    <p:spTree>
+      <p:nvGrpSpPr>
+        <p:cNvPr id="1" name=""/>
+        <p:cNvGrpSpPr/>
+        <p:nvPr/>
+      </p:nvGrpSpPr>
+      <p:grpSpPr>
+        <a:xfrm>
+          <a:off x="0" y="0"/>
+          <a:ext cx="0" cy="0"/>
+          <a:chOff x="0" y="0"/>
+          <a:chExt cx="0" cy="0"/>
+        </a:xfrm>
+      </p:grpSpPr>
+    </p:spTree>
+    <p:extLst>
+      <p:ext uri="{BB962C8B-B14F-4D97-AF65-F5344CB8AC3E}">
+        <p14:creationId xmlns:p14="http://schemas.microsoft.com/office/powerpoint/2010/main" val="3748651929"/>
+      </p:ext>
+    </p:extLst>
+  </p:cSld>
+  <p:clrMapOvr>
+    <a:masterClrMapping/>
+  </p:clrMapOvr>
+</p:sld>
+</file>
+
+<file path=ppt/slides/slide11.xml><?xml version="1.0" encoding="utf-8"?>
+<p:sld xmlns:a="http://schemas.openxmlformats.org/drawingml/2006/main" xmlns:r="http://schemas.openxmlformats.org/officeDocument/2006/relationships" xmlns:p="http://schemas.openxmlformats.org/presentationml/2006/main">
+  <p:cSld>
+    <p:spTree>
+      <p:nvGrpSpPr>
+        <p:cNvPr id="1" name=""/>
+        <p:cNvGrpSpPr/>
+        <p:nvPr/>
+      </p:nvGrpSpPr>
+      <p:grpSpPr>
+        <a:xfrm>
+          <a:off x="0" y="0"/>
+          <a:ext cx="0" cy="0"/>
+          <a:chOff x="0" y="0"/>
+          <a:chExt cx="0" cy="0"/>
+        </a:xfrm>
+      </p:grpSpPr>
+    </p:spTree>
+    <p:extLst>
+      <p:ext uri="{BB962C8B-B14F-4D97-AF65-F5344CB8AC3E}">
+        <p14:creationId xmlns:p14="http://schemas.microsoft.com/office/powerpoint/2010/main" val="3064137625"/>
+      </p:ext>
+    </p:extLst>
+  </p:cSld>
+  <p:clrMapOvr>
+    <a:masterClrMapping/>
+  </p:clrMapOvr>
+</p:sld>
+</file>
+
+<file path=ppt/slides/slide12.xml><?xml version="1.0" encoding="utf-8"?>
+<p:sld xmlns:a="http://schemas.openxmlformats.org/drawingml/2006/main" xmlns:r="http://schemas.openxmlformats.org/officeDocument/2006/relationships" xmlns:p="http://schemas.openxmlformats.org/presentationml/2006/main">
+  <p:cSld>
+    <p:spTree>
+      <p:nvGrpSpPr>
+        <p:cNvPr id="1" name=""/>
+        <p:cNvGrpSpPr/>
+        <p:nvPr/>
+      </p:nvGrpSpPr>
+      <p:grpSpPr>
+        <a:xfrm>
+          <a:off x="0" y="0"/>
+          <a:ext cx="0" cy="0"/>
+          <a:chOff x="0" y="0"/>
+          <a:chExt cx="0" cy="0"/>
+        </a:xfrm>
+      </p:grpSpPr>
+    </p:spTree>
+    <p:extLst>
+      <p:ext uri="{BB962C8B-B14F-4D97-AF65-F5344CB8AC3E}">
+        <p14:creationId xmlns:p14="http://schemas.microsoft.com/office/powerpoint/2010/main" val="1070420701"/>
+      </p:ext>
+    </p:extLst>
+  </p:cSld>
+  <p:clrMapOvr>
+    <a:masterClrMapping/>
+  </p:clrMapOvr>
+</p:sld>
+</file>
+
+<file path=ppt/slides/slide13.xml><?xml version="1.0" encoding="utf-8"?>
+<p:sld xmlns:a="http://schemas.openxmlformats.org/drawingml/2006/main" xmlns:r="http://schemas.openxmlformats.org/officeDocument/2006/relationships" xmlns:p="http://schemas.openxmlformats.org/presentationml/2006/main">
+  <p:cSld>
+    <p:spTree>
+      <p:nvGrpSpPr>
+        <p:cNvPr id="1" name=""/>
+        <p:cNvGrpSpPr/>
+        <p:nvPr/>
+      </p:nvGrpSpPr>
+      <p:grpSpPr>
+        <a:xfrm>
+          <a:off x="0" y="0"/>
+          <a:ext cx="0" cy="0"/>
+          <a:chOff x="0" y="0"/>
+          <a:chExt cx="0" cy="0"/>
+        </a:xfrm>
+      </p:grpSpPr>
+      <p:sp>
+        <p:nvSpPr>
+          <p:cNvPr id="4" name="文本框 3">
+            <a:extLst>
+              <a:ext uri="{FF2B5EF4-FFF2-40B4-BE49-F238E27FC236}">
+                <a16:creationId xmlns:a16="http://schemas.microsoft.com/office/drawing/2014/main" id="{C8C66590-5AA9-4693-8D05-DB6B2C455FC8}"/>
+              </a:ext>
+            </a:extLst>
+          </p:cNvPr>
+          <p:cNvSpPr txBox="1"/>
+          <p:nvPr/>
+        </p:nvSpPr>
+        <p:spPr>
+          <a:xfrm>
+            <a:off x="1023115" y="305942"/>
+            <a:ext cx="9794514" cy="1316258"/>
+          </a:xfrm>
+          <a:prstGeom prst="rect">
+            <a:avLst/>
+          </a:prstGeom>
+          <a:noFill/>
+        </p:spPr>
+        <p:txBody>
+          <a:bodyPr wrap="square" rtlCol="0">
+            <a:spAutoFit/>
+          </a:bodyPr>
+          <a:lstStyle/>
+          <a:p>
+            <a:pPr>
+              <a:lnSpc>
+                <a:spcPct val="150000"/>
+              </a:lnSpc>
+            </a:pPr>
+            <a:r>
+              <a:rPr lang="en-US" altLang="zh-CN" sz="2800" b="0" i="0" dirty="0">
+                <a:solidFill>
+                  <a:srgbClr val="000000"/>
+                </a:solidFill>
+                <a:effectLst/>
+                <a:latin typeface="Arial" panose="020B0604020202020204" pitchFamily="34" charset="0"/>
+              </a:rPr>
+              <a:t>Remaining Useful Life Prediction for Lithium-Ion Battery: A Deep Learning Approach</a:t>
+            </a:r>
+            <a:endParaRPr lang="en-US" altLang="zh-CN" sz="2800" b="1" dirty="0">
+              <a:latin typeface="+mn-ea"/>
+            </a:endParaRPr>
+          </a:p>
+        </p:txBody>
+      </p:sp>
+      <p:pic>
+        <p:nvPicPr>
+          <p:cNvPr id="5" name="图片 4">
+            <a:extLst>
+              <a:ext uri="{FF2B5EF4-FFF2-40B4-BE49-F238E27FC236}">
+                <a16:creationId xmlns:a16="http://schemas.microsoft.com/office/drawing/2014/main" id="{59D1D5BD-ECD7-7680-E84A-172EE573C7FF}"/>
+              </a:ext>
+            </a:extLst>
+          </p:cNvPr>
+          <p:cNvPicPr>
+            <a:picLocks noChangeAspect="1"/>
+          </p:cNvPicPr>
+          <p:nvPr/>
+        </p:nvPicPr>
+        <p:blipFill>
+          <a:blip r:embed="rId2"/>
+          <a:stretch>
+            <a:fillRect/>
+          </a:stretch>
+        </p:blipFill>
+        <p:spPr>
+          <a:xfrm>
+            <a:off x="6409124" y="2716639"/>
+            <a:ext cx="5620644" cy="4067619"/>
+          </a:xfrm>
+          <a:prstGeom prst="rect">
+            <a:avLst/>
+          </a:prstGeom>
+        </p:spPr>
+      </p:pic>
+    </p:spTree>
+    <p:extLst>
+      <p:ext uri="{BB962C8B-B14F-4D97-AF65-F5344CB8AC3E}">
+        <p14:creationId xmlns:p14="http://schemas.microsoft.com/office/powerpoint/2010/main" val="3774438495"/>
+      </p:ext>
+    </p:extLst>
+  </p:cSld>
+  <p:clrMapOvr>
+    <a:masterClrMapping/>
+  </p:clrMapOvr>
+</p:sld>
+</file>
+
+<file path=ppt/slides/slide14.xml><?xml version="1.0" encoding="utf-8"?>
+<p:sld xmlns:a="http://schemas.openxmlformats.org/drawingml/2006/main" xmlns:r="http://schemas.openxmlformats.org/officeDocument/2006/relationships" xmlns:p="http://schemas.openxmlformats.org/presentationml/2006/main">
+  <p:cSld>
+    <p:spTree>
+      <p:nvGrpSpPr>
+        <p:cNvPr id="1" name=""/>
+        <p:cNvGrpSpPr/>
+        <p:nvPr/>
+      </p:nvGrpSpPr>
+      <p:grpSpPr>
+        <a:xfrm>
+          <a:off x="0" y="0"/>
+          <a:ext cx="0" cy="0"/>
+          <a:chOff x="0" y="0"/>
+          <a:chExt cx="0" cy="0"/>
+        </a:xfrm>
+      </p:grpSpPr>
+      <p:sp>
+        <p:nvSpPr>
+          <p:cNvPr id="4" name="文本框 3">
+            <a:extLst>
+              <a:ext uri="{FF2B5EF4-FFF2-40B4-BE49-F238E27FC236}">
+                <a16:creationId xmlns:a16="http://schemas.microsoft.com/office/drawing/2014/main" id="{C8C66590-5AA9-4693-8D05-DB6B2C455FC8}"/>
+              </a:ext>
+            </a:extLst>
+          </p:cNvPr>
+          <p:cNvSpPr txBox="1"/>
+          <p:nvPr/>
+        </p:nvSpPr>
+        <p:spPr>
+          <a:xfrm>
+            <a:off x="1023115" y="305942"/>
+            <a:ext cx="9794514" cy="669927"/>
+          </a:xfrm>
+          <a:prstGeom prst="rect">
+            <a:avLst/>
+          </a:prstGeom>
+          <a:noFill/>
+        </p:spPr>
+        <p:txBody>
+          <a:bodyPr wrap="square" rtlCol="0">
+            <a:spAutoFit/>
+          </a:bodyPr>
+          <a:lstStyle/>
+          <a:p>
+            <a:pPr>
+              <a:lnSpc>
+                <a:spcPct val="150000"/>
+              </a:lnSpc>
+            </a:pPr>
+            <a:r>
+              <a:rPr lang="en-US" altLang="zh-CN" sz="2800" b="0" i="0" dirty="0">
+                <a:solidFill>
+                  <a:srgbClr val="000000"/>
+                </a:solidFill>
+                <a:effectLst/>
+                <a:latin typeface="Arial" panose="020B0604020202020204" pitchFamily="34" charset="0"/>
+              </a:rPr>
+              <a:t>HI feature</a:t>
+            </a:r>
+            <a:endParaRPr lang="en-US" altLang="zh-CN" sz="2800" b="1" dirty="0">
+              <a:latin typeface="+mn-ea"/>
+            </a:endParaRPr>
+          </a:p>
+        </p:txBody>
+      </p:sp>
+      <p:pic>
+        <p:nvPicPr>
+          <p:cNvPr id="12" name="图片 11">
+            <a:extLst>
+              <a:ext uri="{FF2B5EF4-FFF2-40B4-BE49-F238E27FC236}">
+                <a16:creationId xmlns:a16="http://schemas.microsoft.com/office/drawing/2014/main" id="{CE0DE971-1827-1F09-D900-4D8E6C4E91A9}"/>
+              </a:ext>
+            </a:extLst>
+          </p:cNvPr>
+          <p:cNvPicPr>
+            <a:picLocks noChangeAspect="1"/>
+          </p:cNvPicPr>
+          <p:nvPr/>
+        </p:nvPicPr>
+        <p:blipFill>
+          <a:blip r:embed="rId2"/>
+          <a:stretch>
+            <a:fillRect/>
+          </a:stretch>
+        </p:blipFill>
+        <p:spPr>
+          <a:xfrm>
+            <a:off x="509145" y="1231490"/>
+            <a:ext cx="3373455" cy="5046424"/>
+          </a:xfrm>
+          <a:prstGeom prst="rect">
+            <a:avLst/>
+          </a:prstGeom>
+        </p:spPr>
+      </p:pic>
+      <p:pic>
+        <p:nvPicPr>
+          <p:cNvPr id="5" name="图片 4">
+            <a:extLst>
+              <a:ext uri="{FF2B5EF4-FFF2-40B4-BE49-F238E27FC236}">
+                <a16:creationId xmlns:a16="http://schemas.microsoft.com/office/drawing/2014/main" id="{9CADBAAA-6059-C4E6-5EB2-1804899E5E36}"/>
+              </a:ext>
+            </a:extLst>
+          </p:cNvPr>
+          <p:cNvPicPr>
+            <a:picLocks noChangeAspect="1"/>
+          </p:cNvPicPr>
+          <p:nvPr/>
+        </p:nvPicPr>
+        <p:blipFill>
+          <a:blip r:embed="rId3"/>
+          <a:stretch>
+            <a:fillRect/>
+          </a:stretch>
+        </p:blipFill>
+        <p:spPr>
+          <a:xfrm>
+            <a:off x="4224351" y="1231490"/>
+            <a:ext cx="3392041" cy="5046424"/>
+          </a:xfrm>
+          <a:prstGeom prst="rect">
+            <a:avLst/>
+          </a:prstGeom>
+        </p:spPr>
+      </p:pic>
+      <p:sp>
+        <p:nvSpPr>
+          <p:cNvPr id="6" name="文本框 5">
+            <a:extLst>
+              <a:ext uri="{FF2B5EF4-FFF2-40B4-BE49-F238E27FC236}">
+                <a16:creationId xmlns:a16="http://schemas.microsoft.com/office/drawing/2014/main" id="{175839E0-46FE-9100-D73F-76269B4BAEB7}"/>
+              </a:ext>
+            </a:extLst>
+          </p:cNvPr>
+          <p:cNvSpPr txBox="1"/>
+          <p:nvPr/>
+        </p:nvSpPr>
+        <p:spPr>
+          <a:xfrm>
+            <a:off x="7958143" y="1231490"/>
+            <a:ext cx="3176434" cy="1754326"/>
+          </a:xfrm>
+          <a:prstGeom prst="rect">
+            <a:avLst/>
+          </a:prstGeom>
+          <a:noFill/>
+        </p:spPr>
+        <p:txBody>
+          <a:bodyPr wrap="square">
+            <a:spAutoFit/>
+          </a:bodyPr>
+          <a:lstStyle/>
+          <a:p>
+            <a:r>
+              <a:rPr lang="zh-CN" altLang="en-US" b="0" i="0" dirty="0">
+                <a:solidFill>
+                  <a:srgbClr val="000000"/>
+                </a:solidFill>
+                <a:effectLst/>
+                <a:latin typeface="+mn-ea"/>
+              </a:rPr>
+              <a:t>首先，提取图像的特征，利用自编码器模型进行特征融合</a:t>
+            </a:r>
+            <a:endParaRPr lang="en-US" altLang="zh-CN" b="0" i="0" dirty="0">
+              <a:solidFill>
+                <a:srgbClr val="000000"/>
+              </a:solidFill>
+              <a:effectLst/>
+              <a:latin typeface="+mn-ea"/>
+            </a:endParaRPr>
+          </a:p>
+          <a:p>
+            <a:endParaRPr lang="en-US" altLang="zh-CN" dirty="0">
+              <a:solidFill>
+                <a:srgbClr val="000000"/>
+              </a:solidFill>
+              <a:latin typeface="+mn-ea"/>
+            </a:endParaRPr>
+          </a:p>
+          <a:p>
+            <a:endParaRPr lang="en-US" altLang="zh-CN" b="0" i="0" dirty="0">
+              <a:solidFill>
+                <a:srgbClr val="000000"/>
+              </a:solidFill>
+              <a:effectLst/>
+              <a:latin typeface="+mn-ea"/>
+            </a:endParaRPr>
+          </a:p>
+          <a:p>
+            <a:r>
+              <a:rPr lang="zh-CN" altLang="en-US" dirty="0">
+                <a:solidFill>
+                  <a:srgbClr val="000000"/>
+                </a:solidFill>
+                <a:latin typeface="+mn-ea"/>
+              </a:rPr>
+              <a:t>其次，</a:t>
+            </a:r>
+            <a:r>
+              <a:rPr lang="zh-CN" altLang="en-US" b="0" i="0" dirty="0">
+                <a:solidFill>
+                  <a:srgbClr val="000000"/>
+                </a:solidFill>
+                <a:effectLst/>
+                <a:latin typeface="+mn-ea"/>
+              </a:rPr>
+              <a:t>将融合后的特征输入到</a:t>
+            </a:r>
+            <a:r>
+              <a:rPr lang="en-US" altLang="zh-CN" b="0" i="0" dirty="0">
+                <a:solidFill>
+                  <a:srgbClr val="000000"/>
+                </a:solidFill>
+                <a:effectLst/>
+                <a:latin typeface="+mn-ea"/>
+              </a:rPr>
+              <a:t>DNN</a:t>
+            </a:r>
+            <a:r>
+              <a:rPr lang="zh-CN" altLang="en-US" b="0" i="0" dirty="0">
+                <a:solidFill>
+                  <a:srgbClr val="000000"/>
+                </a:solidFill>
+                <a:effectLst/>
+                <a:latin typeface="+mn-ea"/>
+              </a:rPr>
+              <a:t>模型中</a:t>
+            </a:r>
+            <a:endParaRPr lang="zh-CN" altLang="en-US" dirty="0">
+              <a:latin typeface="+mn-ea"/>
+            </a:endParaRPr>
+          </a:p>
+        </p:txBody>
+      </p:sp>
+    </p:spTree>
+    <p:extLst>
+      <p:ext uri="{BB962C8B-B14F-4D97-AF65-F5344CB8AC3E}">
+        <p14:creationId xmlns:p14="http://schemas.microsoft.com/office/powerpoint/2010/main" val="418033017"/>
+      </p:ext>
+    </p:extLst>
+  </p:cSld>
+  <p:clrMapOvr>
+    <a:masterClrMapping/>
+  </p:clrMapOvr>
+</p:sld>
+</file>
+
+<file path=ppt/slides/slide15.xml><?xml version="1.0" encoding="utf-8"?>
+<p:sld xmlns:a="http://schemas.openxmlformats.org/drawingml/2006/main" xmlns:r="http://schemas.openxmlformats.org/officeDocument/2006/relationships" xmlns:p="http://schemas.openxmlformats.org/presentationml/2006/main">
+  <p:cSld>
+    <p:spTree>
+      <p:nvGrpSpPr>
+        <p:cNvPr id="1" name=""/>
+        <p:cNvGrpSpPr/>
+        <p:nvPr/>
+      </p:nvGrpSpPr>
+      <p:grpSpPr>
+        <a:xfrm>
+          <a:off x="0" y="0"/>
+          <a:ext cx="0" cy="0"/>
+          <a:chOff x="0" y="0"/>
+          <a:chExt cx="0" cy="0"/>
+        </a:xfrm>
+      </p:grpSpPr>
+      <p:sp>
+        <p:nvSpPr>
+          <p:cNvPr id="4" name="文本框 3">
+            <a:extLst>
+              <a:ext uri="{FF2B5EF4-FFF2-40B4-BE49-F238E27FC236}">
+                <a16:creationId xmlns:a16="http://schemas.microsoft.com/office/drawing/2014/main" id="{C8C66590-5AA9-4693-8D05-DB6B2C455FC8}"/>
+              </a:ext>
+            </a:extLst>
+          </p:cNvPr>
+          <p:cNvSpPr txBox="1"/>
+          <p:nvPr/>
+        </p:nvSpPr>
+        <p:spPr>
+          <a:xfrm>
+            <a:off x="1023115" y="305942"/>
+            <a:ext cx="9794514" cy="669927"/>
+          </a:xfrm>
+          <a:prstGeom prst="rect">
+            <a:avLst/>
+          </a:prstGeom>
+          <a:noFill/>
+        </p:spPr>
+        <p:txBody>
+          <a:bodyPr wrap="square" rtlCol="0">
+            <a:spAutoFit/>
+          </a:bodyPr>
+          <a:lstStyle/>
+          <a:p>
+            <a:pPr>
+              <a:lnSpc>
+                <a:spcPct val="150000"/>
+              </a:lnSpc>
+            </a:pPr>
+            <a:r>
+              <a:rPr lang="en-US" altLang="zh-CN" sz="2800" b="0" i="0" dirty="0">
+                <a:solidFill>
+                  <a:srgbClr val="000000"/>
+                </a:solidFill>
+                <a:effectLst/>
+                <a:latin typeface="Arial" panose="020B0604020202020204" pitchFamily="34" charset="0"/>
+              </a:rPr>
+              <a:t>HI feature</a:t>
+            </a:r>
+            <a:endParaRPr lang="en-US" altLang="zh-CN" sz="2800" b="1" dirty="0">
+              <a:latin typeface="+mn-ea"/>
+            </a:endParaRPr>
+          </a:p>
+        </p:txBody>
+      </p:sp>
+      <p:sp>
+        <p:nvSpPr>
+          <p:cNvPr id="8" name="文本框 7">
+            <a:extLst>
+              <a:ext uri="{FF2B5EF4-FFF2-40B4-BE49-F238E27FC236}">
+                <a16:creationId xmlns:a16="http://schemas.microsoft.com/office/drawing/2014/main" id="{B4932440-D5FF-68B6-E951-211719B35037}"/>
+              </a:ext>
+            </a:extLst>
+          </p:cNvPr>
+          <p:cNvSpPr txBox="1"/>
+          <p:nvPr/>
+        </p:nvSpPr>
+        <p:spPr>
+          <a:xfrm>
+            <a:off x="4713290" y="1609414"/>
+            <a:ext cx="6094770" cy="923330"/>
+          </a:xfrm>
+          <a:prstGeom prst="rect">
+            <a:avLst/>
+          </a:prstGeom>
+          <a:noFill/>
+        </p:spPr>
+        <p:txBody>
+          <a:bodyPr wrap="square">
+            <a:spAutoFit/>
+          </a:bodyPr>
+          <a:lstStyle/>
+          <a:p>
+            <a:r>
+              <a:rPr lang="zh-CN" altLang="en-US" b="0" i="0" dirty="0">
+                <a:solidFill>
+                  <a:srgbClr val="000000"/>
+                </a:solidFill>
+                <a:effectLst/>
+                <a:latin typeface="+mn-ea"/>
+              </a:rPr>
+              <a:t>电池的样本点大小不一致</a:t>
+            </a:r>
+            <a:endParaRPr lang="en-US" altLang="zh-CN" b="0" i="0" dirty="0">
+              <a:solidFill>
+                <a:srgbClr val="000000"/>
+              </a:solidFill>
+              <a:effectLst/>
+              <a:latin typeface="+mn-ea"/>
+            </a:endParaRPr>
+          </a:p>
+          <a:p>
+            <a:endParaRPr lang="en-US" altLang="zh-CN" b="0" i="0" dirty="0">
+              <a:solidFill>
+                <a:srgbClr val="000000"/>
+              </a:solidFill>
+              <a:effectLst/>
+              <a:latin typeface="+mn-ea"/>
+            </a:endParaRPr>
+          </a:p>
+          <a:p>
+            <a:r>
+              <a:rPr lang="zh-CN" altLang="en-US" b="0" i="0" dirty="0">
+                <a:solidFill>
+                  <a:srgbClr val="000000"/>
+                </a:solidFill>
+                <a:effectLst/>
+                <a:latin typeface="+mn-ea"/>
+              </a:rPr>
+              <a:t>直接提取相同间隔的样本数据会丢失一些重要信息</a:t>
+            </a:r>
+            <a:endParaRPr lang="zh-CN" altLang="en-US" dirty="0">
+              <a:latin typeface="+mn-ea"/>
+            </a:endParaRPr>
+          </a:p>
+        </p:txBody>
+      </p:sp>
+      <p:sp>
+        <p:nvSpPr>
+          <p:cNvPr id="10" name="文本框 9">
+            <a:extLst>
+              <a:ext uri="{FF2B5EF4-FFF2-40B4-BE49-F238E27FC236}">
+                <a16:creationId xmlns:a16="http://schemas.microsoft.com/office/drawing/2014/main" id="{7FC814D9-1F1E-EE6D-4486-F2B714418EE5}"/>
+              </a:ext>
+            </a:extLst>
+          </p:cNvPr>
+          <p:cNvSpPr txBox="1"/>
+          <p:nvPr/>
+        </p:nvSpPr>
+        <p:spPr>
+          <a:xfrm>
+            <a:off x="4713290" y="4474403"/>
+            <a:ext cx="6094770" cy="646331"/>
+          </a:xfrm>
+          <a:prstGeom prst="rect">
+            <a:avLst/>
+          </a:prstGeom>
+          <a:noFill/>
+        </p:spPr>
+        <p:txBody>
+          <a:bodyPr wrap="square">
+            <a:spAutoFit/>
+          </a:bodyPr>
+          <a:lstStyle/>
+          <a:p>
+            <a:r>
+              <a:rPr lang="zh-CN" altLang="en-US" b="0" i="0" dirty="0">
+                <a:solidFill>
+                  <a:srgbClr val="000000"/>
+                </a:solidFill>
+                <a:effectLst/>
+                <a:latin typeface="+mn-ea"/>
+              </a:rPr>
+              <a:t>信息表征与信息维度之间存在正相关关系。信息维度越多，信息表示能力越强</a:t>
+            </a:r>
+            <a:endParaRPr lang="zh-CN" altLang="en-US" dirty="0">
+              <a:latin typeface="+mn-ea"/>
+            </a:endParaRPr>
+          </a:p>
+        </p:txBody>
+      </p:sp>
+      <p:pic>
+        <p:nvPicPr>
+          <p:cNvPr id="15" name="图片 14">
+            <a:extLst>
+              <a:ext uri="{FF2B5EF4-FFF2-40B4-BE49-F238E27FC236}">
+                <a16:creationId xmlns:a16="http://schemas.microsoft.com/office/drawing/2014/main" id="{9732C26D-398C-8F72-E3A0-D4C3CCE316FF}"/>
+              </a:ext>
+            </a:extLst>
+          </p:cNvPr>
+          <p:cNvPicPr>
+            <a:picLocks noChangeAspect="1"/>
+          </p:cNvPicPr>
+          <p:nvPr/>
+        </p:nvPicPr>
+        <p:blipFill>
+          <a:blip r:embed="rId2"/>
+          <a:stretch>
+            <a:fillRect/>
+          </a:stretch>
+        </p:blipFill>
+        <p:spPr>
+          <a:xfrm>
+            <a:off x="892120" y="1242710"/>
+            <a:ext cx="3392041" cy="5046424"/>
+          </a:xfrm>
+          <a:prstGeom prst="rect">
+            <a:avLst/>
+          </a:prstGeom>
+        </p:spPr>
+      </p:pic>
+      <p:sp>
+        <p:nvSpPr>
+          <p:cNvPr id="17" name="文本框 16">
+            <a:extLst>
+              <a:ext uri="{FF2B5EF4-FFF2-40B4-BE49-F238E27FC236}">
+                <a16:creationId xmlns:a16="http://schemas.microsoft.com/office/drawing/2014/main" id="{099316F9-419C-D0CD-65F6-6A8EE047D66D}"/>
+              </a:ext>
+            </a:extLst>
+          </p:cNvPr>
+          <p:cNvSpPr txBox="1"/>
+          <p:nvPr/>
+        </p:nvSpPr>
+        <p:spPr>
+          <a:xfrm>
+            <a:off x="4712996" y="3343874"/>
+            <a:ext cx="6095064" cy="369332"/>
+          </a:xfrm>
+          <a:prstGeom prst="rect">
+            <a:avLst/>
+          </a:prstGeom>
+          <a:noFill/>
+        </p:spPr>
+        <p:txBody>
+          <a:bodyPr wrap="square">
+            <a:spAutoFit/>
+          </a:bodyPr>
+          <a:lstStyle/>
+          <a:p>
+            <a:r>
+              <a:rPr lang="zh-CN" altLang="en-US" b="0" i="0" dirty="0">
+                <a:solidFill>
+                  <a:srgbClr val="000000"/>
+                </a:solidFill>
+                <a:effectLst/>
+                <a:latin typeface="+mn-ea"/>
+              </a:rPr>
+              <a:t>提取典型的几何特征信息</a:t>
+            </a:r>
+            <a:endParaRPr lang="zh-CN" altLang="en-US" dirty="0">
+              <a:latin typeface="+mn-ea"/>
+            </a:endParaRPr>
+          </a:p>
+        </p:txBody>
+      </p:sp>
+    </p:spTree>
+    <p:extLst>
+      <p:ext uri="{BB962C8B-B14F-4D97-AF65-F5344CB8AC3E}">
+        <p14:creationId xmlns:p14="http://schemas.microsoft.com/office/powerpoint/2010/main" val="976856484"/>
+      </p:ext>
+    </p:extLst>
+  </p:cSld>
+  <p:clrMapOvr>
+    <a:masterClrMapping/>
+  </p:clrMapOvr>
+</p:sld>
+</file>
+
+<file path=ppt/slides/slide16.xml><?xml version="1.0" encoding="utf-8"?>
+<p:sld xmlns:a="http://schemas.openxmlformats.org/drawingml/2006/main" xmlns:r="http://schemas.openxmlformats.org/officeDocument/2006/relationships" xmlns:p="http://schemas.openxmlformats.org/presentationml/2006/main">
+  <p:cSld>
+    <p:spTree>
+      <p:nvGrpSpPr>
+        <p:cNvPr id="1" name=""/>
+        <p:cNvGrpSpPr/>
+        <p:nvPr/>
+      </p:nvGrpSpPr>
+      <p:grpSpPr>
+        <a:xfrm>
+          <a:off x="0" y="0"/>
+          <a:ext cx="0" cy="0"/>
+          <a:chOff x="0" y="0"/>
+          <a:chExt cx="0" cy="0"/>
+        </a:xfrm>
+      </p:grpSpPr>
+      <p:sp>
+        <p:nvSpPr>
+          <p:cNvPr id="4" name="文本框 3">
+            <a:extLst>
+              <a:ext uri="{FF2B5EF4-FFF2-40B4-BE49-F238E27FC236}">
+                <a16:creationId xmlns:a16="http://schemas.microsoft.com/office/drawing/2014/main" id="{C8C66590-5AA9-4693-8D05-DB6B2C455FC8}"/>
+              </a:ext>
+            </a:extLst>
+          </p:cNvPr>
+          <p:cNvSpPr txBox="1"/>
+          <p:nvPr/>
+        </p:nvSpPr>
+        <p:spPr>
+          <a:xfrm>
+            <a:off x="1023115" y="305942"/>
+            <a:ext cx="9794514" cy="669927"/>
+          </a:xfrm>
+          <a:prstGeom prst="rect">
+            <a:avLst/>
+          </a:prstGeom>
+          <a:noFill/>
+        </p:spPr>
+        <p:txBody>
+          <a:bodyPr wrap="square" rtlCol="0">
+            <a:spAutoFit/>
+          </a:bodyPr>
+          <a:lstStyle/>
+          <a:p>
+            <a:pPr>
+              <a:lnSpc>
+                <a:spcPct val="150000"/>
+              </a:lnSpc>
+            </a:pPr>
+            <a:r>
+              <a:rPr lang="en-US" altLang="zh-CN" sz="2800" b="0" i="0" dirty="0">
+                <a:solidFill>
+                  <a:srgbClr val="000000"/>
+                </a:solidFill>
+                <a:effectLst/>
+                <a:latin typeface="Arial" panose="020B0604020202020204" pitchFamily="34" charset="0"/>
+              </a:rPr>
+              <a:t>HI feature</a:t>
+            </a:r>
+            <a:endParaRPr lang="en-US" altLang="zh-CN" sz="2800" b="1" dirty="0">
+              <a:latin typeface="+mn-ea"/>
+            </a:endParaRPr>
+          </a:p>
+        </p:txBody>
+      </p:sp>
+      <p:sp>
+        <p:nvSpPr>
+          <p:cNvPr id="14" name="文本框 13">
+            <a:extLst>
+              <a:ext uri="{FF2B5EF4-FFF2-40B4-BE49-F238E27FC236}">
+                <a16:creationId xmlns:a16="http://schemas.microsoft.com/office/drawing/2014/main" id="{6A52A97C-8E29-3125-F8E3-3DC47AF44E78}"/>
+              </a:ext>
+            </a:extLst>
+          </p:cNvPr>
+          <p:cNvSpPr txBox="1"/>
+          <p:nvPr/>
+        </p:nvSpPr>
+        <p:spPr>
+          <a:xfrm>
+            <a:off x="4949928" y="975869"/>
+            <a:ext cx="6094770" cy="3139321"/>
+          </a:xfrm>
+          <a:prstGeom prst="rect">
+            <a:avLst/>
+          </a:prstGeom>
+          <a:noFill/>
+        </p:spPr>
+        <p:txBody>
+          <a:bodyPr wrap="square">
+            <a:spAutoFit/>
+          </a:bodyPr>
+          <a:lstStyle/>
+          <a:p>
+            <a:pPr algn="just"/>
+            <a:r>
+              <a:rPr lang="zh-CN" altLang="en-US" b="0" i="0" dirty="0">
+                <a:solidFill>
+                  <a:srgbClr val="000000"/>
+                </a:solidFill>
+                <a:effectLst/>
+                <a:latin typeface="+mn-ea"/>
+              </a:rPr>
+              <a:t>为了提高模型的效率，有必要降低特征维数</a:t>
+            </a:r>
+            <a:endParaRPr lang="en-US" altLang="zh-CN" b="0" i="0" dirty="0">
+              <a:solidFill>
+                <a:srgbClr val="000000"/>
+              </a:solidFill>
+              <a:effectLst/>
+              <a:latin typeface="+mn-ea"/>
+            </a:endParaRPr>
+          </a:p>
+          <a:p>
+            <a:pPr algn="just"/>
+            <a:r>
+              <a:rPr lang="zh-CN" altLang="en-US" b="0" i="0" dirty="0">
+                <a:solidFill>
+                  <a:srgbClr val="000000"/>
+                </a:solidFill>
+                <a:effectLst/>
+                <a:latin typeface="+mn-ea"/>
+              </a:rPr>
+              <a:t>降维方法：</a:t>
+            </a:r>
+            <a:endParaRPr lang="en-US" altLang="zh-CN" b="0" i="0" dirty="0">
+              <a:solidFill>
+                <a:srgbClr val="000000"/>
+              </a:solidFill>
+              <a:effectLst/>
+              <a:latin typeface="+mn-ea"/>
+            </a:endParaRPr>
+          </a:p>
+          <a:p>
+            <a:pPr algn="just"/>
+            <a:r>
+              <a:rPr lang="zh-CN" altLang="en-US" b="0" i="0" dirty="0">
+                <a:solidFill>
+                  <a:srgbClr val="000000"/>
+                </a:solidFill>
+                <a:effectLst/>
+                <a:latin typeface="+mn-ea"/>
+              </a:rPr>
+              <a:t>包括主成分分析</a:t>
+            </a:r>
+            <a:r>
+              <a:rPr lang="en-US" altLang="zh-CN" b="0" i="0" dirty="0">
+                <a:solidFill>
+                  <a:srgbClr val="000000"/>
+                </a:solidFill>
+                <a:effectLst/>
+                <a:latin typeface="+mn-ea"/>
+              </a:rPr>
+              <a:t>(PCA)</a:t>
+            </a:r>
+          </a:p>
+          <a:p>
+            <a:pPr algn="just"/>
+            <a:r>
+              <a:rPr lang="zh-CN" altLang="en-US" b="0" i="0" dirty="0">
+                <a:solidFill>
+                  <a:srgbClr val="000000"/>
+                </a:solidFill>
+                <a:effectLst/>
+                <a:latin typeface="+mn-ea"/>
+              </a:rPr>
+              <a:t>独立成分分析</a:t>
+            </a:r>
+            <a:r>
+              <a:rPr lang="en-US" altLang="zh-CN" b="0" i="0" dirty="0">
+                <a:solidFill>
+                  <a:srgbClr val="000000"/>
+                </a:solidFill>
+                <a:effectLst/>
+                <a:latin typeface="+mn-ea"/>
+              </a:rPr>
+              <a:t>(ICA</a:t>
+            </a:r>
+            <a:r>
+              <a:rPr lang="en-US" altLang="zh-CN" dirty="0">
+                <a:solidFill>
+                  <a:srgbClr val="000000"/>
+                </a:solidFill>
+                <a:latin typeface="+mn-ea"/>
+              </a:rPr>
+              <a:t>)</a:t>
+            </a:r>
+          </a:p>
+          <a:p>
+            <a:pPr algn="just"/>
+            <a:r>
+              <a:rPr lang="zh-CN" altLang="en-US" b="0" i="0" dirty="0">
+                <a:solidFill>
+                  <a:srgbClr val="000000"/>
+                </a:solidFill>
+                <a:effectLst/>
+                <a:latin typeface="+mn-ea"/>
+              </a:rPr>
+              <a:t>自动编码器</a:t>
+            </a:r>
+            <a:endParaRPr lang="en-US" altLang="zh-CN" b="0" i="0" dirty="0">
+              <a:solidFill>
+                <a:srgbClr val="000000"/>
+              </a:solidFill>
+              <a:effectLst/>
+              <a:latin typeface="+mn-ea"/>
+            </a:endParaRPr>
+          </a:p>
+          <a:p>
+            <a:pPr algn="just"/>
+            <a:endParaRPr lang="en-US" altLang="zh-CN" b="0" i="0" dirty="0">
+              <a:solidFill>
+                <a:srgbClr val="000000"/>
+              </a:solidFill>
+              <a:effectLst/>
+              <a:latin typeface="+mn-ea"/>
+            </a:endParaRPr>
+          </a:p>
+          <a:p>
+            <a:pPr algn="just"/>
+            <a:endParaRPr lang="en-US" altLang="zh-CN" dirty="0">
+              <a:solidFill>
+                <a:srgbClr val="000000"/>
+              </a:solidFill>
+              <a:latin typeface="+mn-ea"/>
+            </a:endParaRPr>
+          </a:p>
+          <a:p>
+            <a:pPr algn="just"/>
+            <a:endParaRPr lang="en-US" altLang="zh-CN" b="0" i="0" dirty="0">
+              <a:solidFill>
+                <a:srgbClr val="000000"/>
+              </a:solidFill>
+              <a:effectLst/>
+              <a:latin typeface="+mn-ea"/>
+            </a:endParaRPr>
+          </a:p>
+          <a:p>
+            <a:pPr algn="just"/>
+            <a:r>
+              <a:rPr lang="zh-CN" altLang="en-US" b="0" i="0" dirty="0">
+                <a:solidFill>
+                  <a:srgbClr val="000000"/>
+                </a:solidFill>
+                <a:effectLst/>
+                <a:latin typeface="+mn-ea"/>
+              </a:rPr>
+              <a:t>自编码器神经网络</a:t>
+            </a:r>
+            <a:endParaRPr lang="en-US" altLang="zh-CN" b="0" i="0" dirty="0">
+              <a:solidFill>
+                <a:srgbClr val="000000"/>
+              </a:solidFill>
+              <a:effectLst/>
+              <a:latin typeface="+mn-ea"/>
+            </a:endParaRPr>
+          </a:p>
+          <a:p>
+            <a:pPr algn="just"/>
+            <a:r>
+              <a:rPr lang="en-US" altLang="zh-CN" dirty="0">
+                <a:solidFill>
+                  <a:srgbClr val="000000"/>
+                </a:solidFill>
+                <a:latin typeface="+mn-ea"/>
+              </a:rPr>
+              <a:t>       </a:t>
+            </a:r>
+            <a:r>
+              <a:rPr lang="zh-CN" altLang="en-US" b="0" i="0" dirty="0">
+                <a:solidFill>
+                  <a:srgbClr val="000000"/>
+                </a:solidFill>
+                <a:effectLst/>
+                <a:latin typeface="+mn-ea"/>
+              </a:rPr>
+              <a:t>试图学习一个常数函数，输出的结果接近输入数据给出的目标</a:t>
+            </a:r>
+            <a:endParaRPr lang="en-US" altLang="zh-CN" b="0" i="0" dirty="0">
+              <a:solidFill>
+                <a:srgbClr val="000000"/>
+              </a:solidFill>
+              <a:effectLst/>
+              <a:latin typeface="+mn-ea"/>
+            </a:endParaRPr>
+          </a:p>
+        </p:txBody>
+      </p:sp>
+      <p:pic>
+        <p:nvPicPr>
+          <p:cNvPr id="5" name="图片 4">
+            <a:extLst>
+              <a:ext uri="{FF2B5EF4-FFF2-40B4-BE49-F238E27FC236}">
+                <a16:creationId xmlns:a16="http://schemas.microsoft.com/office/drawing/2014/main" id="{0044310C-6D8D-66B1-EDA4-7CE16756216A}"/>
+              </a:ext>
+            </a:extLst>
+          </p:cNvPr>
+          <p:cNvPicPr>
+            <a:picLocks noChangeAspect="1"/>
+          </p:cNvPicPr>
+          <p:nvPr/>
+        </p:nvPicPr>
+        <p:blipFill>
+          <a:blip r:embed="rId2"/>
+          <a:stretch>
+            <a:fillRect/>
+          </a:stretch>
+        </p:blipFill>
+        <p:spPr>
+          <a:xfrm>
+            <a:off x="897317" y="1710814"/>
+            <a:ext cx="4052611" cy="2833686"/>
+          </a:xfrm>
+          <a:prstGeom prst="rect">
+            <a:avLst/>
+          </a:prstGeom>
+        </p:spPr>
+      </p:pic>
+    </p:spTree>
+    <p:extLst>
+      <p:ext uri="{BB962C8B-B14F-4D97-AF65-F5344CB8AC3E}">
+        <p14:creationId xmlns:p14="http://schemas.microsoft.com/office/powerpoint/2010/main" val="809275517"/>
+      </p:ext>
+    </p:extLst>
+  </p:cSld>
+  <p:clrMapOvr>
+    <a:masterClrMapping/>
+  </p:clrMapOvr>
+</p:sld>
+</file>
+
+<file path=ppt/slides/slide17.xml><?xml version="1.0" encoding="utf-8"?>
+<p:sld xmlns:a="http://schemas.openxmlformats.org/drawingml/2006/main" xmlns:r="http://schemas.openxmlformats.org/officeDocument/2006/relationships" xmlns:p="http://schemas.openxmlformats.org/presentationml/2006/main">
+  <p:cSld>
+    <p:spTree>
+      <p:nvGrpSpPr>
+        <p:cNvPr id="1" name=""/>
+        <p:cNvGrpSpPr/>
+        <p:nvPr/>
+      </p:nvGrpSpPr>
+      <p:grpSpPr>
+        <a:xfrm>
+          <a:off x="0" y="0"/>
+          <a:ext cx="0" cy="0"/>
+          <a:chOff x="0" y="0"/>
+          <a:chExt cx="0" cy="0"/>
+        </a:xfrm>
+      </p:grpSpPr>
+      <p:sp>
+        <p:nvSpPr>
+          <p:cNvPr id="4" name="文本框 3">
+            <a:extLst>
+              <a:ext uri="{FF2B5EF4-FFF2-40B4-BE49-F238E27FC236}">
+                <a16:creationId xmlns:a16="http://schemas.microsoft.com/office/drawing/2014/main" id="{C8C66590-5AA9-4693-8D05-DB6B2C455FC8}"/>
+              </a:ext>
+            </a:extLst>
+          </p:cNvPr>
+          <p:cNvSpPr txBox="1"/>
+          <p:nvPr/>
+        </p:nvSpPr>
+        <p:spPr>
+          <a:xfrm>
+            <a:off x="1023115" y="305942"/>
+            <a:ext cx="9794514" cy="669927"/>
+          </a:xfrm>
+          <a:prstGeom prst="rect">
+            <a:avLst/>
+          </a:prstGeom>
+          <a:noFill/>
+        </p:spPr>
+        <p:txBody>
+          <a:bodyPr wrap="square" rtlCol="0">
+            <a:spAutoFit/>
+          </a:bodyPr>
+          <a:lstStyle/>
+          <a:p>
+            <a:pPr>
+              <a:lnSpc>
+                <a:spcPct val="150000"/>
+              </a:lnSpc>
+            </a:pPr>
+            <a:r>
+              <a:rPr lang="en-US" altLang="zh-CN" sz="2800" dirty="0">
+                <a:solidFill>
+                  <a:srgbClr val="000000"/>
+                </a:solidFill>
+                <a:latin typeface="Arial" panose="020B0604020202020204" pitchFamily="34" charset="0"/>
+              </a:rPr>
+              <a:t>model</a:t>
+            </a:r>
+            <a:endParaRPr lang="en-US" altLang="zh-CN" sz="2800" b="1" dirty="0">
+              <a:latin typeface="+mn-ea"/>
+            </a:endParaRPr>
+          </a:p>
+        </p:txBody>
+      </p:sp>
+      <p:pic>
+        <p:nvPicPr>
+          <p:cNvPr id="9" name="图片 8">
+            <a:extLst>
+              <a:ext uri="{FF2B5EF4-FFF2-40B4-BE49-F238E27FC236}">
+                <a16:creationId xmlns:a16="http://schemas.microsoft.com/office/drawing/2014/main" id="{C410EC33-30A0-93E0-3E7F-5572672A4964}"/>
+              </a:ext>
+            </a:extLst>
+          </p:cNvPr>
+          <p:cNvPicPr>
+            <a:picLocks noChangeAspect="1"/>
+          </p:cNvPicPr>
+          <p:nvPr/>
+        </p:nvPicPr>
+        <p:blipFill>
+          <a:blip r:embed="rId2"/>
+          <a:stretch>
+            <a:fillRect/>
+          </a:stretch>
+        </p:blipFill>
+        <p:spPr>
+          <a:xfrm>
+            <a:off x="6019249" y="400292"/>
+            <a:ext cx="4280373" cy="6254307"/>
+          </a:xfrm>
+          <a:prstGeom prst="rect">
+            <a:avLst/>
+          </a:prstGeom>
+        </p:spPr>
+      </p:pic>
+    </p:spTree>
+    <p:extLst>
+      <p:ext uri="{BB962C8B-B14F-4D97-AF65-F5344CB8AC3E}">
+        <p14:creationId xmlns:p14="http://schemas.microsoft.com/office/powerpoint/2010/main" val="1790158518"/>
+      </p:ext>
+    </p:extLst>
+  </p:cSld>
+  <p:clrMapOvr>
+    <a:masterClrMapping/>
+  </p:clrMapOvr>
+</p:sld>
+</file>
+
+<file path=ppt/slides/slide18.xml><?xml version="1.0" encoding="utf-8"?>
+<p:sld xmlns:a="http://schemas.openxmlformats.org/drawingml/2006/main" xmlns:r="http://schemas.openxmlformats.org/officeDocument/2006/relationships" xmlns:p="http://schemas.openxmlformats.org/presentationml/2006/main">
+  <p:cSld>
+    <p:spTree>
+      <p:nvGrpSpPr>
+        <p:cNvPr id="1" name=""/>
+        <p:cNvGrpSpPr/>
+        <p:nvPr/>
+      </p:nvGrpSpPr>
+      <p:grpSpPr>
+        <a:xfrm>
+          <a:off x="0" y="0"/>
+          <a:ext cx="0" cy="0"/>
+          <a:chOff x="0" y="0"/>
+          <a:chExt cx="0" cy="0"/>
+        </a:xfrm>
+      </p:grpSpPr>
+      <p:sp>
+        <p:nvSpPr>
+          <p:cNvPr id="4" name="文本框 3">
+            <a:extLst>
+              <a:ext uri="{FF2B5EF4-FFF2-40B4-BE49-F238E27FC236}">
+                <a16:creationId xmlns:a16="http://schemas.microsoft.com/office/drawing/2014/main" id="{C8C66590-5AA9-4693-8D05-DB6B2C455FC8}"/>
+              </a:ext>
+            </a:extLst>
+          </p:cNvPr>
+          <p:cNvSpPr txBox="1"/>
+          <p:nvPr/>
+        </p:nvSpPr>
+        <p:spPr>
+          <a:xfrm>
+            <a:off x="1023115" y="305942"/>
+            <a:ext cx="9794514" cy="669927"/>
+          </a:xfrm>
+          <a:prstGeom prst="rect">
+            <a:avLst/>
+          </a:prstGeom>
+          <a:noFill/>
+        </p:spPr>
+        <p:txBody>
+          <a:bodyPr wrap="square" rtlCol="0">
+            <a:spAutoFit/>
+          </a:bodyPr>
+          <a:lstStyle/>
+          <a:p>
+            <a:pPr>
+              <a:lnSpc>
+                <a:spcPct val="150000"/>
+              </a:lnSpc>
+            </a:pPr>
+            <a:r>
+              <a:rPr lang="en-US" altLang="zh-CN" sz="2800" b="0" i="0" dirty="0">
+                <a:solidFill>
+                  <a:srgbClr val="000000"/>
+                </a:solidFill>
+                <a:effectLst/>
+                <a:latin typeface="Arial" panose="020B0604020202020204" pitchFamily="34" charset="0"/>
+              </a:rPr>
+              <a:t>result</a:t>
+            </a:r>
+            <a:endParaRPr lang="en-US" altLang="zh-CN" sz="2800" b="1" dirty="0">
+              <a:latin typeface="+mn-ea"/>
+            </a:endParaRPr>
+          </a:p>
+        </p:txBody>
+      </p:sp>
+      <p:pic>
+        <p:nvPicPr>
+          <p:cNvPr id="3" name="图片 2">
+            <a:extLst>
+              <a:ext uri="{FF2B5EF4-FFF2-40B4-BE49-F238E27FC236}">
+                <a16:creationId xmlns:a16="http://schemas.microsoft.com/office/drawing/2014/main" id="{49AEEF1A-733A-B2FE-023F-2144B90ABA65}"/>
+              </a:ext>
+            </a:extLst>
+          </p:cNvPr>
+          <p:cNvPicPr>
+            <a:picLocks noChangeAspect="1"/>
+          </p:cNvPicPr>
+          <p:nvPr/>
+        </p:nvPicPr>
+        <p:blipFill>
+          <a:blip r:embed="rId2"/>
+          <a:stretch>
+            <a:fillRect/>
+          </a:stretch>
+        </p:blipFill>
+        <p:spPr>
+          <a:xfrm>
+            <a:off x="1147302" y="1500187"/>
+            <a:ext cx="6334125" cy="3857625"/>
+          </a:xfrm>
+          <a:prstGeom prst="rect">
+            <a:avLst/>
+          </a:prstGeom>
+        </p:spPr>
+      </p:pic>
+    </p:spTree>
+    <p:extLst>
+      <p:ext uri="{BB962C8B-B14F-4D97-AF65-F5344CB8AC3E}">
+        <p14:creationId xmlns:p14="http://schemas.microsoft.com/office/powerpoint/2010/main" val="254558743"/>
+      </p:ext>
+    </p:extLst>
+  </p:cSld>
+  <p:clrMapOvr>
+    <a:masterClrMapping/>
+  </p:clrMapOvr>
+</p:sld>
+</file>
+
 <file path=ppt/slides/slide2.xml><?xml version="1.0" encoding="utf-8"?>
 <p:sld xmlns:a="http://schemas.openxmlformats.org/drawingml/2006/main" xmlns:r="http://schemas.openxmlformats.org/officeDocument/2006/relationships" xmlns:p="http://schemas.openxmlformats.org/presentationml/2006/main">
   <p:cSld>
@@ -7623,78 +8900,6 @@
           </a:p>
         </p:txBody>
       </p:sp>
-      <p:sp>
-        <p:nvSpPr>
-          <p:cNvPr id="2" name="文本框 1">
-            <a:extLst>
-              <a:ext uri="{FF2B5EF4-FFF2-40B4-BE49-F238E27FC236}">
-                <a16:creationId xmlns:a16="http://schemas.microsoft.com/office/drawing/2014/main" id="{55E5A240-8A01-84B9-FD39-C52286AB3DFA}"/>
-              </a:ext>
-            </a:extLst>
-          </p:cNvPr>
-          <p:cNvSpPr txBox="1"/>
-          <p:nvPr/>
-        </p:nvSpPr>
-        <p:spPr>
-          <a:xfrm>
-            <a:off x="1284648" y="5391033"/>
-            <a:ext cx="5234125" cy="1200329"/>
-          </a:xfrm>
-          <a:prstGeom prst="rect">
-            <a:avLst/>
-          </a:prstGeom>
-          <a:noFill/>
-        </p:spPr>
-        <p:txBody>
-          <a:bodyPr wrap="none" rtlCol="0">
-            <a:spAutoFit/>
-          </a:bodyPr>
-          <a:lstStyle/>
-          <a:p>
-            <a:r>
-              <a:rPr lang="zh-CN" altLang="en-US" dirty="0"/>
-              <a:t>加噪声</a:t>
-            </a:r>
-            <a:r>
-              <a:rPr lang="en-US" altLang="zh-CN" dirty="0"/>
-              <a:t>-</a:t>
-            </a:r>
-            <a:r>
-              <a:rPr lang="zh-CN" altLang="en-US" dirty="0"/>
-              <a:t>加噪声加特征</a:t>
-            </a:r>
-            <a:r>
-              <a:rPr lang="en-US" altLang="zh-CN" dirty="0"/>
-              <a:t>/</a:t>
-            </a:r>
-            <a:r>
-              <a:rPr lang="zh-CN" altLang="en-US" dirty="0"/>
-              <a:t>加噪声（第二数据集更大）</a:t>
-            </a:r>
-            <a:endParaRPr lang="en-US" altLang="zh-CN" dirty="0"/>
-          </a:p>
-          <a:p>
-            <a:r>
-              <a:rPr lang="zh-CN" altLang="en-US" dirty="0"/>
-              <a:t>加特征选择但无噪声</a:t>
-            </a:r>
-            <a:endParaRPr lang="en-US" altLang="zh-CN" dirty="0"/>
-          </a:p>
-          <a:p>
-            <a:r>
-              <a:rPr lang="zh-CN" altLang="en-US" dirty="0"/>
-              <a:t>噪声变大算法效果趋势</a:t>
-            </a:r>
-            <a:endParaRPr lang="en-US" altLang="zh-CN" dirty="0"/>
-          </a:p>
-          <a:p>
-            <a:r>
-              <a:rPr lang="zh-CN" altLang="en-US" dirty="0"/>
-              <a:t>分量之间差去掉（先对比）</a:t>
-            </a:r>
-          </a:p>
-        </p:txBody>
-      </p:sp>
       <p:pic>
         <p:nvPicPr>
           <p:cNvPr id="5" name="图片 4">
@@ -7942,6 +9147,126 @@
     <p:extLst>
       <p:ext uri="{BB962C8B-B14F-4D97-AF65-F5344CB8AC3E}">
         <p14:creationId xmlns:p14="http://schemas.microsoft.com/office/powerpoint/2010/main" val="3884249665"/>
+      </p:ext>
+    </p:extLst>
+  </p:cSld>
+  <p:clrMapOvr>
+    <a:masterClrMapping/>
+  </p:clrMapOvr>
+</p:sld>
+</file>
+
+<file path=ppt/slides/slide6.xml><?xml version="1.0" encoding="utf-8"?>
+<p:sld xmlns:a="http://schemas.openxmlformats.org/drawingml/2006/main" xmlns:r="http://schemas.openxmlformats.org/officeDocument/2006/relationships" xmlns:p="http://schemas.openxmlformats.org/presentationml/2006/main">
+  <p:cSld>
+    <p:spTree>
+      <p:nvGrpSpPr>
+        <p:cNvPr id="1" name=""/>
+        <p:cNvGrpSpPr/>
+        <p:nvPr/>
+      </p:nvGrpSpPr>
+      <p:grpSpPr>
+        <a:xfrm>
+          <a:off x="0" y="0"/>
+          <a:ext cx="0" cy="0"/>
+          <a:chOff x="0" y="0"/>
+          <a:chExt cx="0" cy="0"/>
+        </a:xfrm>
+      </p:grpSpPr>
+    </p:spTree>
+    <p:extLst>
+      <p:ext uri="{BB962C8B-B14F-4D97-AF65-F5344CB8AC3E}">
+        <p14:creationId xmlns:p14="http://schemas.microsoft.com/office/powerpoint/2010/main" val="2237717641"/>
+      </p:ext>
+    </p:extLst>
+  </p:cSld>
+  <p:clrMapOvr>
+    <a:masterClrMapping/>
+  </p:clrMapOvr>
+</p:sld>
+</file>
+
+<file path=ppt/slides/slide7.xml><?xml version="1.0" encoding="utf-8"?>
+<p:sld xmlns:a="http://schemas.openxmlformats.org/drawingml/2006/main" xmlns:r="http://schemas.openxmlformats.org/officeDocument/2006/relationships" xmlns:p="http://schemas.openxmlformats.org/presentationml/2006/main">
+  <p:cSld>
+    <p:spTree>
+      <p:nvGrpSpPr>
+        <p:cNvPr id="1" name=""/>
+        <p:cNvGrpSpPr/>
+        <p:nvPr/>
+      </p:nvGrpSpPr>
+      <p:grpSpPr>
+        <a:xfrm>
+          <a:off x="0" y="0"/>
+          <a:ext cx="0" cy="0"/>
+          <a:chOff x="0" y="0"/>
+          <a:chExt cx="0" cy="0"/>
+        </a:xfrm>
+      </p:grpSpPr>
+    </p:spTree>
+    <p:extLst>
+      <p:ext uri="{BB962C8B-B14F-4D97-AF65-F5344CB8AC3E}">
+        <p14:creationId xmlns:p14="http://schemas.microsoft.com/office/powerpoint/2010/main" val="1999702559"/>
+      </p:ext>
+    </p:extLst>
+  </p:cSld>
+  <p:clrMapOvr>
+    <a:masterClrMapping/>
+  </p:clrMapOvr>
+</p:sld>
+</file>
+
+<file path=ppt/slides/slide8.xml><?xml version="1.0" encoding="utf-8"?>
+<p:sld xmlns:a="http://schemas.openxmlformats.org/drawingml/2006/main" xmlns:r="http://schemas.openxmlformats.org/officeDocument/2006/relationships" xmlns:p="http://schemas.openxmlformats.org/presentationml/2006/main">
+  <p:cSld>
+    <p:spTree>
+      <p:nvGrpSpPr>
+        <p:cNvPr id="1" name=""/>
+        <p:cNvGrpSpPr/>
+        <p:nvPr/>
+      </p:nvGrpSpPr>
+      <p:grpSpPr>
+        <a:xfrm>
+          <a:off x="0" y="0"/>
+          <a:ext cx="0" cy="0"/>
+          <a:chOff x="0" y="0"/>
+          <a:chExt cx="0" cy="0"/>
+        </a:xfrm>
+      </p:grpSpPr>
+    </p:spTree>
+    <p:extLst>
+      <p:ext uri="{BB962C8B-B14F-4D97-AF65-F5344CB8AC3E}">
+        <p14:creationId xmlns:p14="http://schemas.microsoft.com/office/powerpoint/2010/main" val="1492427324"/>
+      </p:ext>
+    </p:extLst>
+  </p:cSld>
+  <p:clrMapOvr>
+    <a:masterClrMapping/>
+  </p:clrMapOvr>
+</p:sld>
+</file>
+
+<file path=ppt/slides/slide9.xml><?xml version="1.0" encoding="utf-8"?>
+<p:sld xmlns:a="http://schemas.openxmlformats.org/drawingml/2006/main" xmlns:r="http://schemas.openxmlformats.org/officeDocument/2006/relationships" xmlns:p="http://schemas.openxmlformats.org/presentationml/2006/main">
+  <p:cSld>
+    <p:spTree>
+      <p:nvGrpSpPr>
+        <p:cNvPr id="1" name=""/>
+        <p:cNvGrpSpPr/>
+        <p:nvPr/>
+      </p:nvGrpSpPr>
+      <p:grpSpPr>
+        <a:xfrm>
+          <a:off x="0" y="0"/>
+          <a:ext cx="0" cy="0"/>
+          <a:chOff x="0" y="0"/>
+          <a:chExt cx="0" cy="0"/>
+        </a:xfrm>
+      </p:grpSpPr>
+    </p:spTree>
+    <p:extLst>
+      <p:ext uri="{BB962C8B-B14F-4D97-AF65-F5344CB8AC3E}">
+        <p14:creationId xmlns:p14="http://schemas.microsoft.com/office/powerpoint/2010/main" val="3756256134"/>
       </p:ext>
     </p:extLst>
   </p:cSld>

--- a/卢老师论文汇报/1122汇报 .pptx
+++ b/卢老师论文汇报/1122汇报 .pptx
@@ -10,19 +10,13 @@
     <p:sldId id="435" r:id="rId4"/>
     <p:sldId id="436" r:id="rId5"/>
     <p:sldId id="437" r:id="rId6"/>
-    <p:sldId id="444" r:id="rId7"/>
-    <p:sldId id="445" r:id="rId8"/>
-    <p:sldId id="446" r:id="rId9"/>
-    <p:sldId id="447" r:id="rId10"/>
-    <p:sldId id="448" r:id="rId11"/>
-    <p:sldId id="449" r:id="rId12"/>
-    <p:sldId id="450" r:id="rId13"/>
-    <p:sldId id="438" r:id="rId14"/>
-    <p:sldId id="440" r:id="rId15"/>
-    <p:sldId id="439" r:id="rId16"/>
-    <p:sldId id="441" r:id="rId17"/>
-    <p:sldId id="442" r:id="rId18"/>
-    <p:sldId id="443" r:id="rId19"/>
+    <p:sldId id="450" r:id="rId7"/>
+    <p:sldId id="438" r:id="rId8"/>
+    <p:sldId id="440" r:id="rId9"/>
+    <p:sldId id="439" r:id="rId10"/>
+    <p:sldId id="441" r:id="rId11"/>
+    <p:sldId id="442" r:id="rId12"/>
+    <p:sldId id="443" r:id="rId13"/>
   </p:sldIdLst>
   <p:sldSz cx="12192000" cy="6858000"/>
   <p:notesSz cx="6858000" cy="9144000"/>
@@ -276,7 +270,7 @@
           <a:p>
             <a:fld id="{05D1DEA3-224F-45CD-ABFB-AAB1758CA7DD}" type="datetimeFigureOut">
               <a:rPr lang="zh-CN" altLang="en-US" smtClean="0"/>
-              <a:t>2023/11/21</a:t>
+              <a:t>2023/11/28</a:t>
             </a:fld>
             <a:endParaRPr lang="zh-CN" altLang="en-US"/>
           </a:p>
@@ -474,7 +468,7 @@
           <a:p>
             <a:fld id="{05D1DEA3-224F-45CD-ABFB-AAB1758CA7DD}" type="datetimeFigureOut">
               <a:rPr lang="zh-CN" altLang="en-US" smtClean="0"/>
-              <a:t>2023/11/21</a:t>
+              <a:t>2023/11/28</a:t>
             </a:fld>
             <a:endParaRPr lang="zh-CN" altLang="en-US"/>
           </a:p>
@@ -682,7 +676,7 @@
           <a:p>
             <a:fld id="{05D1DEA3-224F-45CD-ABFB-AAB1758CA7DD}" type="datetimeFigureOut">
               <a:rPr lang="zh-CN" altLang="en-US" smtClean="0"/>
-              <a:t>2023/11/21</a:t>
+              <a:t>2023/11/28</a:t>
             </a:fld>
             <a:endParaRPr lang="zh-CN" altLang="en-US"/>
           </a:p>
@@ -880,7 +874,7 @@
           <a:p>
             <a:fld id="{05D1DEA3-224F-45CD-ABFB-AAB1758CA7DD}" type="datetimeFigureOut">
               <a:rPr lang="zh-CN" altLang="en-US" smtClean="0"/>
-              <a:t>2023/11/21</a:t>
+              <a:t>2023/11/28</a:t>
             </a:fld>
             <a:endParaRPr lang="zh-CN" altLang="en-US"/>
           </a:p>
@@ -1155,7 +1149,7 @@
           <a:p>
             <a:fld id="{05D1DEA3-224F-45CD-ABFB-AAB1758CA7DD}" type="datetimeFigureOut">
               <a:rPr lang="zh-CN" altLang="en-US" smtClean="0"/>
-              <a:t>2023/11/21</a:t>
+              <a:t>2023/11/28</a:t>
             </a:fld>
             <a:endParaRPr lang="zh-CN" altLang="en-US"/>
           </a:p>
@@ -1420,7 +1414,7 @@
           <a:p>
             <a:fld id="{05D1DEA3-224F-45CD-ABFB-AAB1758CA7DD}" type="datetimeFigureOut">
               <a:rPr lang="zh-CN" altLang="en-US" smtClean="0"/>
-              <a:t>2023/11/21</a:t>
+              <a:t>2023/11/28</a:t>
             </a:fld>
             <a:endParaRPr lang="zh-CN" altLang="en-US"/>
           </a:p>
@@ -1832,7 +1826,7 @@
           <a:p>
             <a:fld id="{05D1DEA3-224F-45CD-ABFB-AAB1758CA7DD}" type="datetimeFigureOut">
               <a:rPr lang="zh-CN" altLang="en-US" smtClean="0"/>
-              <a:t>2023/11/21</a:t>
+              <a:t>2023/11/28</a:t>
             </a:fld>
             <a:endParaRPr lang="zh-CN" altLang="en-US"/>
           </a:p>
@@ -1973,7 +1967,7 @@
           <a:p>
             <a:fld id="{05D1DEA3-224F-45CD-ABFB-AAB1758CA7DD}" type="datetimeFigureOut">
               <a:rPr lang="zh-CN" altLang="en-US" smtClean="0"/>
-              <a:t>2023/11/21</a:t>
+              <a:t>2023/11/28</a:t>
             </a:fld>
             <a:endParaRPr lang="zh-CN" altLang="en-US"/>
           </a:p>
@@ -2086,7 +2080,7 @@
           <a:p>
             <a:fld id="{05D1DEA3-224F-45CD-ABFB-AAB1758CA7DD}" type="datetimeFigureOut">
               <a:rPr lang="zh-CN" altLang="en-US" smtClean="0"/>
-              <a:t>2023/11/21</a:t>
+              <a:t>2023/11/28</a:t>
             </a:fld>
             <a:endParaRPr lang="zh-CN" altLang="en-US"/>
           </a:p>
@@ -2397,7 +2391,7 @@
           <a:p>
             <a:fld id="{05D1DEA3-224F-45CD-ABFB-AAB1758CA7DD}" type="datetimeFigureOut">
               <a:rPr lang="zh-CN" altLang="en-US" smtClean="0"/>
-              <a:t>2023/11/21</a:t>
+              <a:t>2023/11/28</a:t>
             </a:fld>
             <a:endParaRPr lang="zh-CN" altLang="en-US"/>
           </a:p>
@@ -2685,7 +2679,7 @@
           <a:p>
             <a:fld id="{05D1DEA3-224F-45CD-ABFB-AAB1758CA7DD}" type="datetimeFigureOut">
               <a:rPr lang="zh-CN" altLang="en-US" smtClean="0"/>
-              <a:t>2023/11/21</a:t>
+              <a:t>2023/11/28</a:t>
             </a:fld>
             <a:endParaRPr lang="zh-CN" altLang="en-US"/>
           </a:p>
@@ -2926,7 +2920,7 @@
           <a:p>
             <a:fld id="{05D1DEA3-224F-45CD-ABFB-AAB1758CA7DD}" type="datetimeFigureOut">
               <a:rPr lang="zh-CN" altLang="en-US" smtClean="0"/>
-              <a:t>2023/11/21</a:t>
+              <a:t>2023/11/28</a:t>
             </a:fld>
             <a:endParaRPr lang="zh-CN" altLang="en-US"/>
           </a:p>
@@ -7301,10 +7295,311 @@
           <a:chExt cx="0" cy="0"/>
         </a:xfrm>
       </p:grpSpPr>
+      <p:sp>
+        <p:nvSpPr>
+          <p:cNvPr id="4" name="文本框 3">
+            <a:extLst>
+              <a:ext uri="{FF2B5EF4-FFF2-40B4-BE49-F238E27FC236}">
+                <a16:creationId xmlns:a16="http://schemas.microsoft.com/office/drawing/2014/main" id="{C8C66590-5AA9-4693-8D05-DB6B2C455FC8}"/>
+              </a:ext>
+            </a:extLst>
+          </p:cNvPr>
+          <p:cNvSpPr txBox="1"/>
+          <p:nvPr/>
+        </p:nvSpPr>
+        <p:spPr>
+          <a:xfrm>
+            <a:off x="1023115" y="305942"/>
+            <a:ext cx="9794514" cy="669927"/>
+          </a:xfrm>
+          <a:prstGeom prst="rect">
+            <a:avLst/>
+          </a:prstGeom>
+          <a:noFill/>
+        </p:spPr>
+        <p:txBody>
+          <a:bodyPr wrap="square" rtlCol="0">
+            <a:spAutoFit/>
+          </a:bodyPr>
+          <a:lstStyle/>
+          <a:p>
+            <a:pPr>
+              <a:lnSpc>
+                <a:spcPct val="150000"/>
+              </a:lnSpc>
+            </a:pPr>
+            <a:r>
+              <a:rPr lang="en-US" altLang="zh-CN" sz="2800" b="0" i="0" dirty="0">
+                <a:solidFill>
+                  <a:srgbClr val="000000"/>
+                </a:solidFill>
+                <a:effectLst/>
+                <a:latin typeface="Arial" panose="020B0604020202020204" pitchFamily="34" charset="0"/>
+              </a:rPr>
+              <a:t>HI feature</a:t>
+            </a:r>
+            <a:endParaRPr lang="en-US" altLang="zh-CN" sz="2800" b="1" dirty="0">
+              <a:latin typeface="+mn-ea"/>
+            </a:endParaRPr>
+          </a:p>
+        </p:txBody>
+      </p:sp>
+      <p:sp>
+        <p:nvSpPr>
+          <p:cNvPr id="14" name="文本框 13">
+            <a:extLst>
+              <a:ext uri="{FF2B5EF4-FFF2-40B4-BE49-F238E27FC236}">
+                <a16:creationId xmlns:a16="http://schemas.microsoft.com/office/drawing/2014/main" id="{6A52A97C-8E29-3125-F8E3-3DC47AF44E78}"/>
+              </a:ext>
+            </a:extLst>
+          </p:cNvPr>
+          <p:cNvSpPr txBox="1"/>
+          <p:nvPr/>
+        </p:nvSpPr>
+        <p:spPr>
+          <a:xfrm>
+            <a:off x="4949928" y="975869"/>
+            <a:ext cx="6094770" cy="3139321"/>
+          </a:xfrm>
+          <a:prstGeom prst="rect">
+            <a:avLst/>
+          </a:prstGeom>
+          <a:noFill/>
+        </p:spPr>
+        <p:txBody>
+          <a:bodyPr wrap="square">
+            <a:spAutoFit/>
+          </a:bodyPr>
+          <a:lstStyle/>
+          <a:p>
+            <a:pPr algn="just"/>
+            <a:r>
+              <a:rPr lang="zh-CN" altLang="en-US" b="0" i="0" dirty="0">
+                <a:solidFill>
+                  <a:srgbClr val="000000"/>
+                </a:solidFill>
+                <a:effectLst/>
+                <a:latin typeface="+mn-ea"/>
+              </a:rPr>
+              <a:t>为了提高模型的效率，有必要降低特征维数</a:t>
+            </a:r>
+            <a:endParaRPr lang="en-US" altLang="zh-CN" b="0" i="0" dirty="0">
+              <a:solidFill>
+                <a:srgbClr val="000000"/>
+              </a:solidFill>
+              <a:effectLst/>
+              <a:latin typeface="+mn-ea"/>
+            </a:endParaRPr>
+          </a:p>
+          <a:p>
+            <a:pPr algn="just"/>
+            <a:r>
+              <a:rPr lang="zh-CN" altLang="en-US" b="0" i="0" dirty="0">
+                <a:solidFill>
+                  <a:srgbClr val="000000"/>
+                </a:solidFill>
+                <a:effectLst/>
+                <a:latin typeface="+mn-ea"/>
+              </a:rPr>
+              <a:t>降维方法：</a:t>
+            </a:r>
+            <a:endParaRPr lang="en-US" altLang="zh-CN" b="0" i="0" dirty="0">
+              <a:solidFill>
+                <a:srgbClr val="000000"/>
+              </a:solidFill>
+              <a:effectLst/>
+              <a:latin typeface="+mn-ea"/>
+            </a:endParaRPr>
+          </a:p>
+          <a:p>
+            <a:pPr algn="just"/>
+            <a:r>
+              <a:rPr lang="zh-CN" altLang="en-US" b="0" i="0" dirty="0">
+                <a:solidFill>
+                  <a:srgbClr val="000000"/>
+                </a:solidFill>
+                <a:effectLst/>
+                <a:latin typeface="+mn-ea"/>
+              </a:rPr>
+              <a:t>包括主成分分析</a:t>
+            </a:r>
+            <a:r>
+              <a:rPr lang="en-US" altLang="zh-CN" b="0" i="0" dirty="0">
+                <a:solidFill>
+                  <a:srgbClr val="000000"/>
+                </a:solidFill>
+                <a:effectLst/>
+                <a:latin typeface="+mn-ea"/>
+              </a:rPr>
+              <a:t>(PCA)</a:t>
+            </a:r>
+          </a:p>
+          <a:p>
+            <a:pPr algn="just"/>
+            <a:r>
+              <a:rPr lang="zh-CN" altLang="en-US" b="0" i="0" dirty="0">
+                <a:solidFill>
+                  <a:srgbClr val="000000"/>
+                </a:solidFill>
+                <a:effectLst/>
+                <a:latin typeface="+mn-ea"/>
+              </a:rPr>
+              <a:t>独立成分分析</a:t>
+            </a:r>
+            <a:r>
+              <a:rPr lang="en-US" altLang="zh-CN" b="0" i="0" dirty="0">
+                <a:solidFill>
+                  <a:srgbClr val="000000"/>
+                </a:solidFill>
+                <a:effectLst/>
+                <a:latin typeface="+mn-ea"/>
+              </a:rPr>
+              <a:t>(ICA</a:t>
+            </a:r>
+            <a:r>
+              <a:rPr lang="en-US" altLang="zh-CN" dirty="0">
+                <a:solidFill>
+                  <a:srgbClr val="000000"/>
+                </a:solidFill>
+                <a:latin typeface="+mn-ea"/>
+              </a:rPr>
+              <a:t>)</a:t>
+            </a:r>
+          </a:p>
+          <a:p>
+            <a:pPr algn="just"/>
+            <a:r>
+              <a:rPr lang="zh-CN" altLang="en-US" b="0" i="0" dirty="0">
+                <a:solidFill>
+                  <a:srgbClr val="000000"/>
+                </a:solidFill>
+                <a:effectLst/>
+                <a:latin typeface="+mn-ea"/>
+              </a:rPr>
+              <a:t>自动编码器</a:t>
+            </a:r>
+            <a:endParaRPr lang="en-US" altLang="zh-CN" b="0" i="0" dirty="0">
+              <a:solidFill>
+                <a:srgbClr val="000000"/>
+              </a:solidFill>
+              <a:effectLst/>
+              <a:latin typeface="+mn-ea"/>
+            </a:endParaRPr>
+          </a:p>
+          <a:p>
+            <a:pPr algn="just"/>
+            <a:endParaRPr lang="en-US" altLang="zh-CN" b="0" i="0" dirty="0">
+              <a:solidFill>
+                <a:srgbClr val="000000"/>
+              </a:solidFill>
+              <a:effectLst/>
+              <a:latin typeface="+mn-ea"/>
+            </a:endParaRPr>
+          </a:p>
+          <a:p>
+            <a:pPr algn="just"/>
+            <a:endParaRPr lang="en-US" altLang="zh-CN" dirty="0">
+              <a:solidFill>
+                <a:srgbClr val="000000"/>
+              </a:solidFill>
+              <a:latin typeface="+mn-ea"/>
+            </a:endParaRPr>
+          </a:p>
+          <a:p>
+            <a:pPr algn="just"/>
+            <a:endParaRPr lang="en-US" altLang="zh-CN" b="0" i="0" dirty="0">
+              <a:solidFill>
+                <a:srgbClr val="000000"/>
+              </a:solidFill>
+              <a:effectLst/>
+              <a:latin typeface="+mn-ea"/>
+            </a:endParaRPr>
+          </a:p>
+          <a:p>
+            <a:pPr algn="just"/>
+            <a:r>
+              <a:rPr lang="zh-CN" altLang="en-US" b="0" i="0" dirty="0">
+                <a:solidFill>
+                  <a:srgbClr val="000000"/>
+                </a:solidFill>
+                <a:effectLst/>
+                <a:latin typeface="+mn-ea"/>
+              </a:rPr>
+              <a:t>自编码器神经网络</a:t>
+            </a:r>
+            <a:endParaRPr lang="en-US" altLang="zh-CN" b="0" i="0" dirty="0">
+              <a:solidFill>
+                <a:srgbClr val="000000"/>
+              </a:solidFill>
+              <a:effectLst/>
+              <a:latin typeface="+mn-ea"/>
+            </a:endParaRPr>
+          </a:p>
+          <a:p>
+            <a:pPr algn="just"/>
+            <a:r>
+              <a:rPr lang="en-US" altLang="zh-CN" dirty="0">
+                <a:solidFill>
+                  <a:srgbClr val="000000"/>
+                </a:solidFill>
+                <a:latin typeface="+mn-ea"/>
+              </a:rPr>
+              <a:t>       </a:t>
+            </a:r>
+            <a:r>
+              <a:rPr lang="zh-CN" altLang="en-US" b="0" i="0" dirty="0">
+                <a:solidFill>
+                  <a:srgbClr val="000000"/>
+                </a:solidFill>
+                <a:effectLst/>
+                <a:latin typeface="+mn-ea"/>
+              </a:rPr>
+              <a:t>试图学习一个常数函数，输出的结果接近输入数据给出的目标</a:t>
+            </a:r>
+            <a:endParaRPr lang="en-US" altLang="zh-CN" b="0" i="0" dirty="0">
+              <a:solidFill>
+                <a:srgbClr val="000000"/>
+              </a:solidFill>
+              <a:effectLst/>
+              <a:latin typeface="+mn-ea"/>
+            </a:endParaRPr>
+          </a:p>
+        </p:txBody>
+      </p:sp>
+      <p:pic>
+        <p:nvPicPr>
+          <p:cNvPr id="5" name="图片 4">
+            <a:extLst>
+              <a:ext uri="{FF2B5EF4-FFF2-40B4-BE49-F238E27FC236}">
+                <a16:creationId xmlns:a16="http://schemas.microsoft.com/office/drawing/2014/main" id="{0044310C-6D8D-66B1-EDA4-7CE16756216A}"/>
+              </a:ext>
+            </a:extLst>
+          </p:cNvPr>
+          <p:cNvPicPr>
+            <a:picLocks noChangeAspect="1"/>
+          </p:cNvPicPr>
+          <p:nvPr/>
+        </p:nvPicPr>
+        <p:blipFill>
+          <a:blip r:embed="rId2"/>
+          <a:stretch>
+            <a:fillRect/>
+          </a:stretch>
+        </p:blipFill>
+        <p:spPr>
+          <a:xfrm>
+            <a:off x="897317" y="1710814"/>
+            <a:ext cx="4052611" cy="2833686"/>
+          </a:xfrm>
+          <a:prstGeom prst="rect">
+            <a:avLst/>
+          </a:prstGeom>
+        </p:spPr>
+      </p:pic>
     </p:spTree>
     <p:extLst>
       <p:ext uri="{BB962C8B-B14F-4D97-AF65-F5344CB8AC3E}">
-        <p14:creationId xmlns:p14="http://schemas.microsoft.com/office/powerpoint/2010/main" val="3748651929"/>
+        <p14:creationId xmlns:p14="http://schemas.microsoft.com/office/powerpoint/2010/main" val="809275517"/>
       </p:ext>
     </p:extLst>
   </p:cSld>
@@ -7331,66 +7626,6 @@
           <a:chExt cx="0" cy="0"/>
         </a:xfrm>
       </p:grpSpPr>
-    </p:spTree>
-    <p:extLst>
-      <p:ext uri="{BB962C8B-B14F-4D97-AF65-F5344CB8AC3E}">
-        <p14:creationId xmlns:p14="http://schemas.microsoft.com/office/powerpoint/2010/main" val="3064137625"/>
-      </p:ext>
-    </p:extLst>
-  </p:cSld>
-  <p:clrMapOvr>
-    <a:masterClrMapping/>
-  </p:clrMapOvr>
-</p:sld>
-</file>
-
-<file path=ppt/slides/slide12.xml><?xml version="1.0" encoding="utf-8"?>
-<p:sld xmlns:a="http://schemas.openxmlformats.org/drawingml/2006/main" xmlns:r="http://schemas.openxmlformats.org/officeDocument/2006/relationships" xmlns:p="http://schemas.openxmlformats.org/presentationml/2006/main">
-  <p:cSld>
-    <p:spTree>
-      <p:nvGrpSpPr>
-        <p:cNvPr id="1" name=""/>
-        <p:cNvGrpSpPr/>
-        <p:nvPr/>
-      </p:nvGrpSpPr>
-      <p:grpSpPr>
-        <a:xfrm>
-          <a:off x="0" y="0"/>
-          <a:ext cx="0" cy="0"/>
-          <a:chOff x="0" y="0"/>
-          <a:chExt cx="0" cy="0"/>
-        </a:xfrm>
-      </p:grpSpPr>
-    </p:spTree>
-    <p:extLst>
-      <p:ext uri="{BB962C8B-B14F-4D97-AF65-F5344CB8AC3E}">
-        <p14:creationId xmlns:p14="http://schemas.microsoft.com/office/powerpoint/2010/main" val="1070420701"/>
-      </p:ext>
-    </p:extLst>
-  </p:cSld>
-  <p:clrMapOvr>
-    <a:masterClrMapping/>
-  </p:clrMapOvr>
-</p:sld>
-</file>
-
-<file path=ppt/slides/slide13.xml><?xml version="1.0" encoding="utf-8"?>
-<p:sld xmlns:a="http://schemas.openxmlformats.org/drawingml/2006/main" xmlns:r="http://schemas.openxmlformats.org/officeDocument/2006/relationships" xmlns:p="http://schemas.openxmlformats.org/presentationml/2006/main">
-  <p:cSld>
-    <p:spTree>
-      <p:nvGrpSpPr>
-        <p:cNvPr id="1" name=""/>
-        <p:cNvGrpSpPr/>
-        <p:nvPr/>
-      </p:nvGrpSpPr>
-      <p:grpSpPr>
-        <a:xfrm>
-          <a:off x="0" y="0"/>
-          <a:ext cx="0" cy="0"/>
-          <a:chOff x="0" y="0"/>
-          <a:chExt cx="0" cy="0"/>
-        </a:xfrm>
-      </p:grpSpPr>
       <p:sp>
         <p:nvSpPr>
           <p:cNvPr id="4" name="文本框 3">
@@ -7406,7 +7641,7 @@
         <p:spPr>
           <a:xfrm>
             <a:off x="1023115" y="305942"/>
-            <a:ext cx="9794514" cy="1316258"/>
+            <a:ext cx="9794514" cy="669927"/>
           </a:xfrm>
           <a:prstGeom prst="rect">
             <a:avLst/>
@@ -7425,14 +7660,13 @@
               </a:lnSpc>
             </a:pPr>
             <a:r>
-              <a:rPr lang="en-US" altLang="zh-CN" sz="2800" b="0" i="0" dirty="0">
+              <a:rPr lang="en-US" altLang="zh-CN" sz="2800" dirty="0">
                 <a:solidFill>
                   <a:srgbClr val="000000"/>
                 </a:solidFill>
-                <a:effectLst/>
                 <a:latin typeface="Arial" panose="020B0604020202020204" pitchFamily="34" charset="0"/>
               </a:rPr>
-              <a:t>Remaining Useful Life Prediction for Lithium-Ion Battery: A Deep Learning Approach</a:t>
+              <a:t>model</a:t>
             </a:r>
             <a:endParaRPr lang="en-US" altLang="zh-CN" sz="2800" b="1" dirty="0">
               <a:latin typeface="+mn-ea"/>
@@ -7442,10 +7676,10 @@
       </p:sp>
       <p:pic>
         <p:nvPicPr>
-          <p:cNvPr id="5" name="图片 4">
-            <a:extLst>
-              <a:ext uri="{FF2B5EF4-FFF2-40B4-BE49-F238E27FC236}">
-                <a16:creationId xmlns:a16="http://schemas.microsoft.com/office/drawing/2014/main" id="{59D1D5BD-ECD7-7680-E84A-172EE573C7FF}"/>
+          <p:cNvPr id="9" name="图片 8">
+            <a:extLst>
+              <a:ext uri="{FF2B5EF4-FFF2-40B4-BE49-F238E27FC236}">
+                <a16:creationId xmlns:a16="http://schemas.microsoft.com/office/drawing/2014/main" id="{C410EC33-30A0-93E0-3E7F-5572672A4964}"/>
               </a:ext>
             </a:extLst>
           </p:cNvPr>
@@ -7462,963 +7696,7 @@
         </p:blipFill>
         <p:spPr>
           <a:xfrm>
-            <a:off x="6409124" y="2716639"/>
-            <a:ext cx="5620644" cy="4067619"/>
-          </a:xfrm>
-          <a:prstGeom prst="rect">
-            <a:avLst/>
-          </a:prstGeom>
-        </p:spPr>
-      </p:pic>
-    </p:spTree>
-    <p:extLst>
-      <p:ext uri="{BB962C8B-B14F-4D97-AF65-F5344CB8AC3E}">
-        <p14:creationId xmlns:p14="http://schemas.microsoft.com/office/powerpoint/2010/main" val="3774438495"/>
-      </p:ext>
-    </p:extLst>
-  </p:cSld>
-  <p:clrMapOvr>
-    <a:masterClrMapping/>
-  </p:clrMapOvr>
-</p:sld>
-</file>
-
-<file path=ppt/slides/slide14.xml><?xml version="1.0" encoding="utf-8"?>
-<p:sld xmlns:a="http://schemas.openxmlformats.org/drawingml/2006/main" xmlns:r="http://schemas.openxmlformats.org/officeDocument/2006/relationships" xmlns:p="http://schemas.openxmlformats.org/presentationml/2006/main">
-  <p:cSld>
-    <p:spTree>
-      <p:nvGrpSpPr>
-        <p:cNvPr id="1" name=""/>
-        <p:cNvGrpSpPr/>
-        <p:nvPr/>
-      </p:nvGrpSpPr>
-      <p:grpSpPr>
-        <a:xfrm>
-          <a:off x="0" y="0"/>
-          <a:ext cx="0" cy="0"/>
-          <a:chOff x="0" y="0"/>
-          <a:chExt cx="0" cy="0"/>
-        </a:xfrm>
-      </p:grpSpPr>
-      <p:sp>
-        <p:nvSpPr>
-          <p:cNvPr id="4" name="文本框 3">
-            <a:extLst>
-              <a:ext uri="{FF2B5EF4-FFF2-40B4-BE49-F238E27FC236}">
-                <a16:creationId xmlns:a16="http://schemas.microsoft.com/office/drawing/2014/main" id="{C8C66590-5AA9-4693-8D05-DB6B2C455FC8}"/>
-              </a:ext>
-            </a:extLst>
-          </p:cNvPr>
-          <p:cNvSpPr txBox="1"/>
-          <p:nvPr/>
-        </p:nvSpPr>
-        <p:spPr>
-          <a:xfrm>
-            <a:off x="1023115" y="305942"/>
-            <a:ext cx="9794514" cy="669927"/>
-          </a:xfrm>
-          <a:prstGeom prst="rect">
-            <a:avLst/>
-          </a:prstGeom>
-          <a:noFill/>
-        </p:spPr>
-        <p:txBody>
-          <a:bodyPr wrap="square" rtlCol="0">
-            <a:spAutoFit/>
-          </a:bodyPr>
-          <a:lstStyle/>
-          <a:p>
-            <a:pPr>
-              <a:lnSpc>
-                <a:spcPct val="150000"/>
-              </a:lnSpc>
-            </a:pPr>
-            <a:r>
-              <a:rPr lang="en-US" altLang="zh-CN" sz="2800" b="0" i="0" dirty="0">
-                <a:solidFill>
-                  <a:srgbClr val="000000"/>
-                </a:solidFill>
-                <a:effectLst/>
-                <a:latin typeface="Arial" panose="020B0604020202020204" pitchFamily="34" charset="0"/>
-              </a:rPr>
-              <a:t>HI feature</a:t>
-            </a:r>
-            <a:endParaRPr lang="en-US" altLang="zh-CN" sz="2800" b="1" dirty="0">
-              <a:latin typeface="+mn-ea"/>
-            </a:endParaRPr>
-          </a:p>
-        </p:txBody>
-      </p:sp>
-      <p:pic>
-        <p:nvPicPr>
-          <p:cNvPr id="12" name="图片 11">
-            <a:extLst>
-              <a:ext uri="{FF2B5EF4-FFF2-40B4-BE49-F238E27FC236}">
-                <a16:creationId xmlns:a16="http://schemas.microsoft.com/office/drawing/2014/main" id="{CE0DE971-1827-1F09-D900-4D8E6C4E91A9}"/>
-              </a:ext>
-            </a:extLst>
-          </p:cNvPr>
-          <p:cNvPicPr>
-            <a:picLocks noChangeAspect="1"/>
-          </p:cNvPicPr>
-          <p:nvPr/>
-        </p:nvPicPr>
-        <p:blipFill>
-          <a:blip r:embed="rId2"/>
-          <a:stretch>
-            <a:fillRect/>
-          </a:stretch>
-        </p:blipFill>
-        <p:spPr>
-          <a:xfrm>
-            <a:off x="509145" y="1231490"/>
-            <a:ext cx="3373455" cy="5046424"/>
-          </a:xfrm>
-          <a:prstGeom prst="rect">
-            <a:avLst/>
-          </a:prstGeom>
-        </p:spPr>
-      </p:pic>
-      <p:pic>
-        <p:nvPicPr>
-          <p:cNvPr id="5" name="图片 4">
-            <a:extLst>
-              <a:ext uri="{FF2B5EF4-FFF2-40B4-BE49-F238E27FC236}">
-                <a16:creationId xmlns:a16="http://schemas.microsoft.com/office/drawing/2014/main" id="{9CADBAAA-6059-C4E6-5EB2-1804899E5E36}"/>
-              </a:ext>
-            </a:extLst>
-          </p:cNvPr>
-          <p:cNvPicPr>
-            <a:picLocks noChangeAspect="1"/>
-          </p:cNvPicPr>
-          <p:nvPr/>
-        </p:nvPicPr>
-        <p:blipFill>
-          <a:blip r:embed="rId3"/>
-          <a:stretch>
-            <a:fillRect/>
-          </a:stretch>
-        </p:blipFill>
-        <p:spPr>
-          <a:xfrm>
-            <a:off x="4224351" y="1231490"/>
-            <a:ext cx="3392041" cy="5046424"/>
-          </a:xfrm>
-          <a:prstGeom prst="rect">
-            <a:avLst/>
-          </a:prstGeom>
-        </p:spPr>
-      </p:pic>
-      <p:sp>
-        <p:nvSpPr>
-          <p:cNvPr id="6" name="文本框 5">
-            <a:extLst>
-              <a:ext uri="{FF2B5EF4-FFF2-40B4-BE49-F238E27FC236}">
-                <a16:creationId xmlns:a16="http://schemas.microsoft.com/office/drawing/2014/main" id="{175839E0-46FE-9100-D73F-76269B4BAEB7}"/>
-              </a:ext>
-            </a:extLst>
-          </p:cNvPr>
-          <p:cNvSpPr txBox="1"/>
-          <p:nvPr/>
-        </p:nvSpPr>
-        <p:spPr>
-          <a:xfrm>
-            <a:off x="7958143" y="1231490"/>
-            <a:ext cx="3176434" cy="1754326"/>
-          </a:xfrm>
-          <a:prstGeom prst="rect">
-            <a:avLst/>
-          </a:prstGeom>
-          <a:noFill/>
-        </p:spPr>
-        <p:txBody>
-          <a:bodyPr wrap="square">
-            <a:spAutoFit/>
-          </a:bodyPr>
-          <a:lstStyle/>
-          <a:p>
-            <a:r>
-              <a:rPr lang="zh-CN" altLang="en-US" b="0" i="0" dirty="0">
-                <a:solidFill>
-                  <a:srgbClr val="000000"/>
-                </a:solidFill>
-                <a:effectLst/>
-                <a:latin typeface="+mn-ea"/>
-              </a:rPr>
-              <a:t>首先，提取图像的特征，利用自编码器模型进行特征融合</a:t>
-            </a:r>
-            <a:endParaRPr lang="en-US" altLang="zh-CN" b="0" i="0" dirty="0">
-              <a:solidFill>
-                <a:srgbClr val="000000"/>
-              </a:solidFill>
-              <a:effectLst/>
-              <a:latin typeface="+mn-ea"/>
-            </a:endParaRPr>
-          </a:p>
-          <a:p>
-            <a:endParaRPr lang="en-US" altLang="zh-CN" dirty="0">
-              <a:solidFill>
-                <a:srgbClr val="000000"/>
-              </a:solidFill>
-              <a:latin typeface="+mn-ea"/>
-            </a:endParaRPr>
-          </a:p>
-          <a:p>
-            <a:endParaRPr lang="en-US" altLang="zh-CN" b="0" i="0" dirty="0">
-              <a:solidFill>
-                <a:srgbClr val="000000"/>
-              </a:solidFill>
-              <a:effectLst/>
-              <a:latin typeface="+mn-ea"/>
-            </a:endParaRPr>
-          </a:p>
-          <a:p>
-            <a:r>
-              <a:rPr lang="zh-CN" altLang="en-US" dirty="0">
-                <a:solidFill>
-                  <a:srgbClr val="000000"/>
-                </a:solidFill>
-                <a:latin typeface="+mn-ea"/>
-              </a:rPr>
-              <a:t>其次，</a:t>
-            </a:r>
-            <a:r>
-              <a:rPr lang="zh-CN" altLang="en-US" b="0" i="0" dirty="0">
-                <a:solidFill>
-                  <a:srgbClr val="000000"/>
-                </a:solidFill>
-                <a:effectLst/>
-                <a:latin typeface="+mn-ea"/>
-              </a:rPr>
-              <a:t>将融合后的特征输入到</a:t>
-            </a:r>
-            <a:r>
-              <a:rPr lang="en-US" altLang="zh-CN" b="0" i="0" dirty="0">
-                <a:solidFill>
-                  <a:srgbClr val="000000"/>
-                </a:solidFill>
-                <a:effectLst/>
-                <a:latin typeface="+mn-ea"/>
-              </a:rPr>
-              <a:t>DNN</a:t>
-            </a:r>
-            <a:r>
-              <a:rPr lang="zh-CN" altLang="en-US" b="0" i="0" dirty="0">
-                <a:solidFill>
-                  <a:srgbClr val="000000"/>
-                </a:solidFill>
-                <a:effectLst/>
-                <a:latin typeface="+mn-ea"/>
-              </a:rPr>
-              <a:t>模型中</a:t>
-            </a:r>
-            <a:endParaRPr lang="zh-CN" altLang="en-US" dirty="0">
-              <a:latin typeface="+mn-ea"/>
-            </a:endParaRPr>
-          </a:p>
-        </p:txBody>
-      </p:sp>
-    </p:spTree>
-    <p:extLst>
-      <p:ext uri="{BB962C8B-B14F-4D97-AF65-F5344CB8AC3E}">
-        <p14:creationId xmlns:p14="http://schemas.microsoft.com/office/powerpoint/2010/main" val="418033017"/>
-      </p:ext>
-    </p:extLst>
-  </p:cSld>
-  <p:clrMapOvr>
-    <a:masterClrMapping/>
-  </p:clrMapOvr>
-</p:sld>
-</file>
-
-<file path=ppt/slides/slide15.xml><?xml version="1.0" encoding="utf-8"?>
-<p:sld xmlns:a="http://schemas.openxmlformats.org/drawingml/2006/main" xmlns:r="http://schemas.openxmlformats.org/officeDocument/2006/relationships" xmlns:p="http://schemas.openxmlformats.org/presentationml/2006/main">
-  <p:cSld>
-    <p:spTree>
-      <p:nvGrpSpPr>
-        <p:cNvPr id="1" name=""/>
-        <p:cNvGrpSpPr/>
-        <p:nvPr/>
-      </p:nvGrpSpPr>
-      <p:grpSpPr>
-        <a:xfrm>
-          <a:off x="0" y="0"/>
-          <a:ext cx="0" cy="0"/>
-          <a:chOff x="0" y="0"/>
-          <a:chExt cx="0" cy="0"/>
-        </a:xfrm>
-      </p:grpSpPr>
-      <p:sp>
-        <p:nvSpPr>
-          <p:cNvPr id="4" name="文本框 3">
-            <a:extLst>
-              <a:ext uri="{FF2B5EF4-FFF2-40B4-BE49-F238E27FC236}">
-                <a16:creationId xmlns:a16="http://schemas.microsoft.com/office/drawing/2014/main" id="{C8C66590-5AA9-4693-8D05-DB6B2C455FC8}"/>
-              </a:ext>
-            </a:extLst>
-          </p:cNvPr>
-          <p:cNvSpPr txBox="1"/>
-          <p:nvPr/>
-        </p:nvSpPr>
-        <p:spPr>
-          <a:xfrm>
-            <a:off x="1023115" y="305942"/>
-            <a:ext cx="9794514" cy="669927"/>
-          </a:xfrm>
-          <a:prstGeom prst="rect">
-            <a:avLst/>
-          </a:prstGeom>
-          <a:noFill/>
-        </p:spPr>
-        <p:txBody>
-          <a:bodyPr wrap="square" rtlCol="0">
-            <a:spAutoFit/>
-          </a:bodyPr>
-          <a:lstStyle/>
-          <a:p>
-            <a:pPr>
-              <a:lnSpc>
-                <a:spcPct val="150000"/>
-              </a:lnSpc>
-            </a:pPr>
-            <a:r>
-              <a:rPr lang="en-US" altLang="zh-CN" sz="2800" b="0" i="0" dirty="0">
-                <a:solidFill>
-                  <a:srgbClr val="000000"/>
-                </a:solidFill>
-                <a:effectLst/>
-                <a:latin typeface="Arial" panose="020B0604020202020204" pitchFamily="34" charset="0"/>
-              </a:rPr>
-              <a:t>HI feature</a:t>
-            </a:r>
-            <a:endParaRPr lang="en-US" altLang="zh-CN" sz="2800" b="1" dirty="0">
-              <a:latin typeface="+mn-ea"/>
-            </a:endParaRPr>
-          </a:p>
-        </p:txBody>
-      </p:sp>
-      <p:sp>
-        <p:nvSpPr>
-          <p:cNvPr id="8" name="文本框 7">
-            <a:extLst>
-              <a:ext uri="{FF2B5EF4-FFF2-40B4-BE49-F238E27FC236}">
-                <a16:creationId xmlns:a16="http://schemas.microsoft.com/office/drawing/2014/main" id="{B4932440-D5FF-68B6-E951-211719B35037}"/>
-              </a:ext>
-            </a:extLst>
-          </p:cNvPr>
-          <p:cNvSpPr txBox="1"/>
-          <p:nvPr/>
-        </p:nvSpPr>
-        <p:spPr>
-          <a:xfrm>
-            <a:off x="4713290" y="1609414"/>
-            <a:ext cx="6094770" cy="923330"/>
-          </a:xfrm>
-          <a:prstGeom prst="rect">
-            <a:avLst/>
-          </a:prstGeom>
-          <a:noFill/>
-        </p:spPr>
-        <p:txBody>
-          <a:bodyPr wrap="square">
-            <a:spAutoFit/>
-          </a:bodyPr>
-          <a:lstStyle/>
-          <a:p>
-            <a:r>
-              <a:rPr lang="zh-CN" altLang="en-US" b="0" i="0" dirty="0">
-                <a:solidFill>
-                  <a:srgbClr val="000000"/>
-                </a:solidFill>
-                <a:effectLst/>
-                <a:latin typeface="+mn-ea"/>
-              </a:rPr>
-              <a:t>电池的样本点大小不一致</a:t>
-            </a:r>
-            <a:endParaRPr lang="en-US" altLang="zh-CN" b="0" i="0" dirty="0">
-              <a:solidFill>
-                <a:srgbClr val="000000"/>
-              </a:solidFill>
-              <a:effectLst/>
-              <a:latin typeface="+mn-ea"/>
-            </a:endParaRPr>
-          </a:p>
-          <a:p>
-            <a:endParaRPr lang="en-US" altLang="zh-CN" b="0" i="0" dirty="0">
-              <a:solidFill>
-                <a:srgbClr val="000000"/>
-              </a:solidFill>
-              <a:effectLst/>
-              <a:latin typeface="+mn-ea"/>
-            </a:endParaRPr>
-          </a:p>
-          <a:p>
-            <a:r>
-              <a:rPr lang="zh-CN" altLang="en-US" b="0" i="0" dirty="0">
-                <a:solidFill>
-                  <a:srgbClr val="000000"/>
-                </a:solidFill>
-                <a:effectLst/>
-                <a:latin typeface="+mn-ea"/>
-              </a:rPr>
-              <a:t>直接提取相同间隔的样本数据会丢失一些重要信息</a:t>
-            </a:r>
-            <a:endParaRPr lang="zh-CN" altLang="en-US" dirty="0">
-              <a:latin typeface="+mn-ea"/>
-            </a:endParaRPr>
-          </a:p>
-        </p:txBody>
-      </p:sp>
-      <p:sp>
-        <p:nvSpPr>
-          <p:cNvPr id="10" name="文本框 9">
-            <a:extLst>
-              <a:ext uri="{FF2B5EF4-FFF2-40B4-BE49-F238E27FC236}">
-                <a16:creationId xmlns:a16="http://schemas.microsoft.com/office/drawing/2014/main" id="{7FC814D9-1F1E-EE6D-4486-F2B714418EE5}"/>
-              </a:ext>
-            </a:extLst>
-          </p:cNvPr>
-          <p:cNvSpPr txBox="1"/>
-          <p:nvPr/>
-        </p:nvSpPr>
-        <p:spPr>
-          <a:xfrm>
-            <a:off x="4713290" y="4474403"/>
-            <a:ext cx="6094770" cy="646331"/>
-          </a:xfrm>
-          <a:prstGeom prst="rect">
-            <a:avLst/>
-          </a:prstGeom>
-          <a:noFill/>
-        </p:spPr>
-        <p:txBody>
-          <a:bodyPr wrap="square">
-            <a:spAutoFit/>
-          </a:bodyPr>
-          <a:lstStyle/>
-          <a:p>
-            <a:r>
-              <a:rPr lang="zh-CN" altLang="en-US" b="0" i="0" dirty="0">
-                <a:solidFill>
-                  <a:srgbClr val="000000"/>
-                </a:solidFill>
-                <a:effectLst/>
-                <a:latin typeface="+mn-ea"/>
-              </a:rPr>
-              <a:t>信息表征与信息维度之间存在正相关关系。信息维度越多，信息表示能力越强</a:t>
-            </a:r>
-            <a:endParaRPr lang="zh-CN" altLang="en-US" dirty="0">
-              <a:latin typeface="+mn-ea"/>
-            </a:endParaRPr>
-          </a:p>
-        </p:txBody>
-      </p:sp>
-      <p:pic>
-        <p:nvPicPr>
-          <p:cNvPr id="15" name="图片 14">
-            <a:extLst>
-              <a:ext uri="{FF2B5EF4-FFF2-40B4-BE49-F238E27FC236}">
-                <a16:creationId xmlns:a16="http://schemas.microsoft.com/office/drawing/2014/main" id="{9732C26D-398C-8F72-E3A0-D4C3CCE316FF}"/>
-              </a:ext>
-            </a:extLst>
-          </p:cNvPr>
-          <p:cNvPicPr>
-            <a:picLocks noChangeAspect="1"/>
-          </p:cNvPicPr>
-          <p:nvPr/>
-        </p:nvPicPr>
-        <p:blipFill>
-          <a:blip r:embed="rId2"/>
-          <a:stretch>
-            <a:fillRect/>
-          </a:stretch>
-        </p:blipFill>
-        <p:spPr>
-          <a:xfrm>
-            <a:off x="892120" y="1242710"/>
-            <a:ext cx="3392041" cy="5046424"/>
-          </a:xfrm>
-          <a:prstGeom prst="rect">
-            <a:avLst/>
-          </a:prstGeom>
-        </p:spPr>
-      </p:pic>
-      <p:sp>
-        <p:nvSpPr>
-          <p:cNvPr id="17" name="文本框 16">
-            <a:extLst>
-              <a:ext uri="{FF2B5EF4-FFF2-40B4-BE49-F238E27FC236}">
-                <a16:creationId xmlns:a16="http://schemas.microsoft.com/office/drawing/2014/main" id="{099316F9-419C-D0CD-65F6-6A8EE047D66D}"/>
-              </a:ext>
-            </a:extLst>
-          </p:cNvPr>
-          <p:cNvSpPr txBox="1"/>
-          <p:nvPr/>
-        </p:nvSpPr>
-        <p:spPr>
-          <a:xfrm>
-            <a:off x="4712996" y="3343874"/>
-            <a:ext cx="6095064" cy="369332"/>
-          </a:xfrm>
-          <a:prstGeom prst="rect">
-            <a:avLst/>
-          </a:prstGeom>
-          <a:noFill/>
-        </p:spPr>
-        <p:txBody>
-          <a:bodyPr wrap="square">
-            <a:spAutoFit/>
-          </a:bodyPr>
-          <a:lstStyle/>
-          <a:p>
-            <a:r>
-              <a:rPr lang="zh-CN" altLang="en-US" b="0" i="0" dirty="0">
-                <a:solidFill>
-                  <a:srgbClr val="000000"/>
-                </a:solidFill>
-                <a:effectLst/>
-                <a:latin typeface="+mn-ea"/>
-              </a:rPr>
-              <a:t>提取典型的几何特征信息</a:t>
-            </a:r>
-            <a:endParaRPr lang="zh-CN" altLang="en-US" dirty="0">
-              <a:latin typeface="+mn-ea"/>
-            </a:endParaRPr>
-          </a:p>
-        </p:txBody>
-      </p:sp>
-    </p:spTree>
-    <p:extLst>
-      <p:ext uri="{BB962C8B-B14F-4D97-AF65-F5344CB8AC3E}">
-        <p14:creationId xmlns:p14="http://schemas.microsoft.com/office/powerpoint/2010/main" val="976856484"/>
-      </p:ext>
-    </p:extLst>
-  </p:cSld>
-  <p:clrMapOvr>
-    <a:masterClrMapping/>
-  </p:clrMapOvr>
-</p:sld>
-</file>
-
-<file path=ppt/slides/slide16.xml><?xml version="1.0" encoding="utf-8"?>
-<p:sld xmlns:a="http://schemas.openxmlformats.org/drawingml/2006/main" xmlns:r="http://schemas.openxmlformats.org/officeDocument/2006/relationships" xmlns:p="http://schemas.openxmlformats.org/presentationml/2006/main">
-  <p:cSld>
-    <p:spTree>
-      <p:nvGrpSpPr>
-        <p:cNvPr id="1" name=""/>
-        <p:cNvGrpSpPr/>
-        <p:nvPr/>
-      </p:nvGrpSpPr>
-      <p:grpSpPr>
-        <a:xfrm>
-          <a:off x="0" y="0"/>
-          <a:ext cx="0" cy="0"/>
-          <a:chOff x="0" y="0"/>
-          <a:chExt cx="0" cy="0"/>
-        </a:xfrm>
-      </p:grpSpPr>
-      <p:sp>
-        <p:nvSpPr>
-          <p:cNvPr id="4" name="文本框 3">
-            <a:extLst>
-              <a:ext uri="{FF2B5EF4-FFF2-40B4-BE49-F238E27FC236}">
-                <a16:creationId xmlns:a16="http://schemas.microsoft.com/office/drawing/2014/main" id="{C8C66590-5AA9-4693-8D05-DB6B2C455FC8}"/>
-              </a:ext>
-            </a:extLst>
-          </p:cNvPr>
-          <p:cNvSpPr txBox="1"/>
-          <p:nvPr/>
-        </p:nvSpPr>
-        <p:spPr>
-          <a:xfrm>
-            <a:off x="1023115" y="305942"/>
-            <a:ext cx="9794514" cy="669927"/>
-          </a:xfrm>
-          <a:prstGeom prst="rect">
-            <a:avLst/>
-          </a:prstGeom>
-          <a:noFill/>
-        </p:spPr>
-        <p:txBody>
-          <a:bodyPr wrap="square" rtlCol="0">
-            <a:spAutoFit/>
-          </a:bodyPr>
-          <a:lstStyle/>
-          <a:p>
-            <a:pPr>
-              <a:lnSpc>
-                <a:spcPct val="150000"/>
-              </a:lnSpc>
-            </a:pPr>
-            <a:r>
-              <a:rPr lang="en-US" altLang="zh-CN" sz="2800" b="0" i="0" dirty="0">
-                <a:solidFill>
-                  <a:srgbClr val="000000"/>
-                </a:solidFill>
-                <a:effectLst/>
-                <a:latin typeface="Arial" panose="020B0604020202020204" pitchFamily="34" charset="0"/>
-              </a:rPr>
-              <a:t>HI feature</a:t>
-            </a:r>
-            <a:endParaRPr lang="en-US" altLang="zh-CN" sz="2800" b="1" dirty="0">
-              <a:latin typeface="+mn-ea"/>
-            </a:endParaRPr>
-          </a:p>
-        </p:txBody>
-      </p:sp>
-      <p:sp>
-        <p:nvSpPr>
-          <p:cNvPr id="14" name="文本框 13">
-            <a:extLst>
-              <a:ext uri="{FF2B5EF4-FFF2-40B4-BE49-F238E27FC236}">
-                <a16:creationId xmlns:a16="http://schemas.microsoft.com/office/drawing/2014/main" id="{6A52A97C-8E29-3125-F8E3-3DC47AF44E78}"/>
-              </a:ext>
-            </a:extLst>
-          </p:cNvPr>
-          <p:cNvSpPr txBox="1"/>
-          <p:nvPr/>
-        </p:nvSpPr>
-        <p:spPr>
-          <a:xfrm>
-            <a:off x="4949928" y="975869"/>
-            <a:ext cx="6094770" cy="3139321"/>
-          </a:xfrm>
-          <a:prstGeom prst="rect">
-            <a:avLst/>
-          </a:prstGeom>
-          <a:noFill/>
-        </p:spPr>
-        <p:txBody>
-          <a:bodyPr wrap="square">
-            <a:spAutoFit/>
-          </a:bodyPr>
-          <a:lstStyle/>
-          <a:p>
-            <a:pPr algn="just"/>
-            <a:r>
-              <a:rPr lang="zh-CN" altLang="en-US" b="0" i="0" dirty="0">
-                <a:solidFill>
-                  <a:srgbClr val="000000"/>
-                </a:solidFill>
-                <a:effectLst/>
-                <a:latin typeface="+mn-ea"/>
-              </a:rPr>
-              <a:t>为了提高模型的效率，有必要降低特征维数</a:t>
-            </a:r>
-            <a:endParaRPr lang="en-US" altLang="zh-CN" b="0" i="0" dirty="0">
-              <a:solidFill>
-                <a:srgbClr val="000000"/>
-              </a:solidFill>
-              <a:effectLst/>
-              <a:latin typeface="+mn-ea"/>
-            </a:endParaRPr>
-          </a:p>
-          <a:p>
-            <a:pPr algn="just"/>
-            <a:r>
-              <a:rPr lang="zh-CN" altLang="en-US" b="0" i="0" dirty="0">
-                <a:solidFill>
-                  <a:srgbClr val="000000"/>
-                </a:solidFill>
-                <a:effectLst/>
-                <a:latin typeface="+mn-ea"/>
-              </a:rPr>
-              <a:t>降维方法：</a:t>
-            </a:r>
-            <a:endParaRPr lang="en-US" altLang="zh-CN" b="0" i="0" dirty="0">
-              <a:solidFill>
-                <a:srgbClr val="000000"/>
-              </a:solidFill>
-              <a:effectLst/>
-              <a:latin typeface="+mn-ea"/>
-            </a:endParaRPr>
-          </a:p>
-          <a:p>
-            <a:pPr algn="just"/>
-            <a:r>
-              <a:rPr lang="zh-CN" altLang="en-US" b="0" i="0" dirty="0">
-                <a:solidFill>
-                  <a:srgbClr val="000000"/>
-                </a:solidFill>
-                <a:effectLst/>
-                <a:latin typeface="+mn-ea"/>
-              </a:rPr>
-              <a:t>包括主成分分析</a:t>
-            </a:r>
-            <a:r>
-              <a:rPr lang="en-US" altLang="zh-CN" b="0" i="0" dirty="0">
-                <a:solidFill>
-                  <a:srgbClr val="000000"/>
-                </a:solidFill>
-                <a:effectLst/>
-                <a:latin typeface="+mn-ea"/>
-              </a:rPr>
-              <a:t>(PCA)</a:t>
-            </a:r>
-          </a:p>
-          <a:p>
-            <a:pPr algn="just"/>
-            <a:r>
-              <a:rPr lang="zh-CN" altLang="en-US" b="0" i="0" dirty="0">
-                <a:solidFill>
-                  <a:srgbClr val="000000"/>
-                </a:solidFill>
-                <a:effectLst/>
-                <a:latin typeface="+mn-ea"/>
-              </a:rPr>
-              <a:t>独立成分分析</a:t>
-            </a:r>
-            <a:r>
-              <a:rPr lang="en-US" altLang="zh-CN" b="0" i="0" dirty="0">
-                <a:solidFill>
-                  <a:srgbClr val="000000"/>
-                </a:solidFill>
-                <a:effectLst/>
-                <a:latin typeface="+mn-ea"/>
-              </a:rPr>
-              <a:t>(ICA</a:t>
-            </a:r>
-            <a:r>
-              <a:rPr lang="en-US" altLang="zh-CN" dirty="0">
-                <a:solidFill>
-                  <a:srgbClr val="000000"/>
-                </a:solidFill>
-                <a:latin typeface="+mn-ea"/>
-              </a:rPr>
-              <a:t>)</a:t>
-            </a:r>
-          </a:p>
-          <a:p>
-            <a:pPr algn="just"/>
-            <a:r>
-              <a:rPr lang="zh-CN" altLang="en-US" b="0" i="0" dirty="0">
-                <a:solidFill>
-                  <a:srgbClr val="000000"/>
-                </a:solidFill>
-                <a:effectLst/>
-                <a:latin typeface="+mn-ea"/>
-              </a:rPr>
-              <a:t>自动编码器</a:t>
-            </a:r>
-            <a:endParaRPr lang="en-US" altLang="zh-CN" b="0" i="0" dirty="0">
-              <a:solidFill>
-                <a:srgbClr val="000000"/>
-              </a:solidFill>
-              <a:effectLst/>
-              <a:latin typeface="+mn-ea"/>
-            </a:endParaRPr>
-          </a:p>
-          <a:p>
-            <a:pPr algn="just"/>
-            <a:endParaRPr lang="en-US" altLang="zh-CN" b="0" i="0" dirty="0">
-              <a:solidFill>
-                <a:srgbClr val="000000"/>
-              </a:solidFill>
-              <a:effectLst/>
-              <a:latin typeface="+mn-ea"/>
-            </a:endParaRPr>
-          </a:p>
-          <a:p>
-            <a:pPr algn="just"/>
-            <a:endParaRPr lang="en-US" altLang="zh-CN" dirty="0">
-              <a:solidFill>
-                <a:srgbClr val="000000"/>
-              </a:solidFill>
-              <a:latin typeface="+mn-ea"/>
-            </a:endParaRPr>
-          </a:p>
-          <a:p>
-            <a:pPr algn="just"/>
-            <a:endParaRPr lang="en-US" altLang="zh-CN" b="0" i="0" dirty="0">
-              <a:solidFill>
-                <a:srgbClr val="000000"/>
-              </a:solidFill>
-              <a:effectLst/>
-              <a:latin typeface="+mn-ea"/>
-            </a:endParaRPr>
-          </a:p>
-          <a:p>
-            <a:pPr algn="just"/>
-            <a:r>
-              <a:rPr lang="zh-CN" altLang="en-US" b="0" i="0" dirty="0">
-                <a:solidFill>
-                  <a:srgbClr val="000000"/>
-                </a:solidFill>
-                <a:effectLst/>
-                <a:latin typeface="+mn-ea"/>
-              </a:rPr>
-              <a:t>自编码器神经网络</a:t>
-            </a:r>
-            <a:endParaRPr lang="en-US" altLang="zh-CN" b="0" i="0" dirty="0">
-              <a:solidFill>
-                <a:srgbClr val="000000"/>
-              </a:solidFill>
-              <a:effectLst/>
-              <a:latin typeface="+mn-ea"/>
-            </a:endParaRPr>
-          </a:p>
-          <a:p>
-            <a:pPr algn="just"/>
-            <a:r>
-              <a:rPr lang="en-US" altLang="zh-CN" dirty="0">
-                <a:solidFill>
-                  <a:srgbClr val="000000"/>
-                </a:solidFill>
-                <a:latin typeface="+mn-ea"/>
-              </a:rPr>
-              <a:t>       </a:t>
-            </a:r>
-            <a:r>
-              <a:rPr lang="zh-CN" altLang="en-US" b="0" i="0" dirty="0">
-                <a:solidFill>
-                  <a:srgbClr val="000000"/>
-                </a:solidFill>
-                <a:effectLst/>
-                <a:latin typeface="+mn-ea"/>
-              </a:rPr>
-              <a:t>试图学习一个常数函数，输出的结果接近输入数据给出的目标</a:t>
-            </a:r>
-            <a:endParaRPr lang="en-US" altLang="zh-CN" b="0" i="0" dirty="0">
-              <a:solidFill>
-                <a:srgbClr val="000000"/>
-              </a:solidFill>
-              <a:effectLst/>
-              <a:latin typeface="+mn-ea"/>
-            </a:endParaRPr>
-          </a:p>
-        </p:txBody>
-      </p:sp>
-      <p:pic>
-        <p:nvPicPr>
-          <p:cNvPr id="5" name="图片 4">
-            <a:extLst>
-              <a:ext uri="{FF2B5EF4-FFF2-40B4-BE49-F238E27FC236}">
-                <a16:creationId xmlns:a16="http://schemas.microsoft.com/office/drawing/2014/main" id="{0044310C-6D8D-66B1-EDA4-7CE16756216A}"/>
-              </a:ext>
-            </a:extLst>
-          </p:cNvPr>
-          <p:cNvPicPr>
-            <a:picLocks noChangeAspect="1"/>
-          </p:cNvPicPr>
-          <p:nvPr/>
-        </p:nvPicPr>
-        <p:blipFill>
-          <a:blip r:embed="rId2"/>
-          <a:stretch>
-            <a:fillRect/>
-          </a:stretch>
-        </p:blipFill>
-        <p:spPr>
-          <a:xfrm>
-            <a:off x="897317" y="1710814"/>
-            <a:ext cx="4052611" cy="2833686"/>
-          </a:xfrm>
-          <a:prstGeom prst="rect">
-            <a:avLst/>
-          </a:prstGeom>
-        </p:spPr>
-      </p:pic>
-    </p:spTree>
-    <p:extLst>
-      <p:ext uri="{BB962C8B-B14F-4D97-AF65-F5344CB8AC3E}">
-        <p14:creationId xmlns:p14="http://schemas.microsoft.com/office/powerpoint/2010/main" val="809275517"/>
-      </p:ext>
-    </p:extLst>
-  </p:cSld>
-  <p:clrMapOvr>
-    <a:masterClrMapping/>
-  </p:clrMapOvr>
-</p:sld>
-</file>
-
-<file path=ppt/slides/slide17.xml><?xml version="1.0" encoding="utf-8"?>
-<p:sld xmlns:a="http://schemas.openxmlformats.org/drawingml/2006/main" xmlns:r="http://schemas.openxmlformats.org/officeDocument/2006/relationships" xmlns:p="http://schemas.openxmlformats.org/presentationml/2006/main">
-  <p:cSld>
-    <p:spTree>
-      <p:nvGrpSpPr>
-        <p:cNvPr id="1" name=""/>
-        <p:cNvGrpSpPr/>
-        <p:nvPr/>
-      </p:nvGrpSpPr>
-      <p:grpSpPr>
-        <a:xfrm>
-          <a:off x="0" y="0"/>
-          <a:ext cx="0" cy="0"/>
-          <a:chOff x="0" y="0"/>
-          <a:chExt cx="0" cy="0"/>
-        </a:xfrm>
-      </p:grpSpPr>
-      <p:sp>
-        <p:nvSpPr>
-          <p:cNvPr id="4" name="文本框 3">
-            <a:extLst>
-              <a:ext uri="{FF2B5EF4-FFF2-40B4-BE49-F238E27FC236}">
-                <a16:creationId xmlns:a16="http://schemas.microsoft.com/office/drawing/2014/main" id="{C8C66590-5AA9-4693-8D05-DB6B2C455FC8}"/>
-              </a:ext>
-            </a:extLst>
-          </p:cNvPr>
-          <p:cNvSpPr txBox="1"/>
-          <p:nvPr/>
-        </p:nvSpPr>
-        <p:spPr>
-          <a:xfrm>
-            <a:off x="1023115" y="305942"/>
-            <a:ext cx="9794514" cy="669927"/>
-          </a:xfrm>
-          <a:prstGeom prst="rect">
-            <a:avLst/>
-          </a:prstGeom>
-          <a:noFill/>
-        </p:spPr>
-        <p:txBody>
-          <a:bodyPr wrap="square" rtlCol="0">
-            <a:spAutoFit/>
-          </a:bodyPr>
-          <a:lstStyle/>
-          <a:p>
-            <a:pPr>
-              <a:lnSpc>
-                <a:spcPct val="150000"/>
-              </a:lnSpc>
-            </a:pPr>
-            <a:r>
-              <a:rPr lang="en-US" altLang="zh-CN" sz="2800" dirty="0">
-                <a:solidFill>
-                  <a:srgbClr val="000000"/>
-                </a:solidFill>
-                <a:latin typeface="Arial" panose="020B0604020202020204" pitchFamily="34" charset="0"/>
-              </a:rPr>
-              <a:t>model</a:t>
-            </a:r>
-            <a:endParaRPr lang="en-US" altLang="zh-CN" sz="2800" b="1" dirty="0">
-              <a:latin typeface="+mn-ea"/>
-            </a:endParaRPr>
-          </a:p>
-        </p:txBody>
-      </p:sp>
-      <p:pic>
-        <p:nvPicPr>
-          <p:cNvPr id="9" name="图片 8">
-            <a:extLst>
-              <a:ext uri="{FF2B5EF4-FFF2-40B4-BE49-F238E27FC236}">
-                <a16:creationId xmlns:a16="http://schemas.microsoft.com/office/drawing/2014/main" id="{C410EC33-30A0-93E0-3E7F-5572672A4964}"/>
-              </a:ext>
-            </a:extLst>
-          </p:cNvPr>
-          <p:cNvPicPr>
-            <a:picLocks noChangeAspect="1"/>
-          </p:cNvPicPr>
-          <p:nvPr/>
-        </p:nvPicPr>
-        <p:blipFill>
-          <a:blip r:embed="rId2"/>
-          <a:stretch>
-            <a:fillRect/>
-          </a:stretch>
-        </p:blipFill>
-        <p:spPr>
-          <a:xfrm>
-            <a:off x="6019249" y="400292"/>
+            <a:off x="4431671" y="366633"/>
             <a:ext cx="4280373" cy="6254307"/>
           </a:xfrm>
           <a:prstGeom prst="rect">
@@ -8439,7 +7717,7 @@
 </p:sld>
 </file>
 
-<file path=ppt/slides/slide18.xml><?xml version="1.0" encoding="utf-8"?>
+<file path=ppt/slides/slide12.xml><?xml version="1.0" encoding="utf-8"?>
 <p:sld xmlns:a="http://schemas.openxmlformats.org/drawingml/2006/main" xmlns:r="http://schemas.openxmlformats.org/officeDocument/2006/relationships" xmlns:p="http://schemas.openxmlformats.org/presentationml/2006/main">
   <p:cSld>
     <p:spTree>
@@ -9176,7 +8454,7 @@
     </p:spTree>
     <p:extLst>
       <p:ext uri="{BB962C8B-B14F-4D97-AF65-F5344CB8AC3E}">
-        <p14:creationId xmlns:p14="http://schemas.microsoft.com/office/powerpoint/2010/main" val="2237717641"/>
+        <p14:creationId xmlns:p14="http://schemas.microsoft.com/office/powerpoint/2010/main" val="1070420701"/>
       </p:ext>
     </p:extLst>
   </p:cSld>
@@ -9203,10 +8481,89 @@
           <a:chExt cx="0" cy="0"/>
         </a:xfrm>
       </p:grpSpPr>
+      <p:sp>
+        <p:nvSpPr>
+          <p:cNvPr id="4" name="文本框 3">
+            <a:extLst>
+              <a:ext uri="{FF2B5EF4-FFF2-40B4-BE49-F238E27FC236}">
+                <a16:creationId xmlns:a16="http://schemas.microsoft.com/office/drawing/2014/main" id="{C8C66590-5AA9-4693-8D05-DB6B2C455FC8}"/>
+              </a:ext>
+            </a:extLst>
+          </p:cNvPr>
+          <p:cNvSpPr txBox="1"/>
+          <p:nvPr/>
+        </p:nvSpPr>
+        <p:spPr>
+          <a:xfrm>
+            <a:off x="1023115" y="305942"/>
+            <a:ext cx="9794514" cy="1316258"/>
+          </a:xfrm>
+          <a:prstGeom prst="rect">
+            <a:avLst/>
+          </a:prstGeom>
+          <a:noFill/>
+        </p:spPr>
+        <p:txBody>
+          <a:bodyPr wrap="square" rtlCol="0">
+            <a:spAutoFit/>
+          </a:bodyPr>
+          <a:lstStyle/>
+          <a:p>
+            <a:pPr>
+              <a:lnSpc>
+                <a:spcPct val="150000"/>
+              </a:lnSpc>
+            </a:pPr>
+            <a:r>
+              <a:rPr lang="en-US" altLang="zh-CN" sz="2800" b="0" i="0" dirty="0">
+                <a:solidFill>
+                  <a:srgbClr val="000000"/>
+                </a:solidFill>
+                <a:effectLst/>
+                <a:latin typeface="Arial" panose="020B0604020202020204" pitchFamily="34" charset="0"/>
+              </a:rPr>
+              <a:t>Remaining Useful Life Prediction for Lithium-Ion Battery: A Deep Learning Approach</a:t>
+            </a:r>
+            <a:endParaRPr lang="en-US" altLang="zh-CN" sz="2800" b="1" dirty="0">
+              <a:latin typeface="+mn-ea"/>
+            </a:endParaRPr>
+          </a:p>
+        </p:txBody>
+      </p:sp>
+      <p:pic>
+        <p:nvPicPr>
+          <p:cNvPr id="5" name="图片 4">
+            <a:extLst>
+              <a:ext uri="{FF2B5EF4-FFF2-40B4-BE49-F238E27FC236}">
+                <a16:creationId xmlns:a16="http://schemas.microsoft.com/office/drawing/2014/main" id="{59D1D5BD-ECD7-7680-E84A-172EE573C7FF}"/>
+              </a:ext>
+            </a:extLst>
+          </p:cNvPr>
+          <p:cNvPicPr>
+            <a:picLocks noChangeAspect="1"/>
+          </p:cNvPicPr>
+          <p:nvPr/>
+        </p:nvPicPr>
+        <p:blipFill>
+          <a:blip r:embed="rId2"/>
+          <a:stretch>
+            <a:fillRect/>
+          </a:stretch>
+        </p:blipFill>
+        <p:spPr>
+          <a:xfrm>
+            <a:off x="6409124" y="2716639"/>
+            <a:ext cx="5620644" cy="4067619"/>
+          </a:xfrm>
+          <a:prstGeom prst="rect">
+            <a:avLst/>
+          </a:prstGeom>
+        </p:spPr>
+      </p:pic>
     </p:spTree>
     <p:extLst>
       <p:ext uri="{BB962C8B-B14F-4D97-AF65-F5344CB8AC3E}">
-        <p14:creationId xmlns:p14="http://schemas.microsoft.com/office/powerpoint/2010/main" val="1999702559"/>
+        <p14:creationId xmlns:p14="http://schemas.microsoft.com/office/powerpoint/2010/main" val="3774438495"/>
       </p:ext>
     </p:extLst>
   </p:cSld>
@@ -9233,10 +8590,228 @@
           <a:chExt cx="0" cy="0"/>
         </a:xfrm>
       </p:grpSpPr>
+      <p:sp>
+        <p:nvSpPr>
+          <p:cNvPr id="4" name="文本框 3">
+            <a:extLst>
+              <a:ext uri="{FF2B5EF4-FFF2-40B4-BE49-F238E27FC236}">
+                <a16:creationId xmlns:a16="http://schemas.microsoft.com/office/drawing/2014/main" id="{C8C66590-5AA9-4693-8D05-DB6B2C455FC8}"/>
+              </a:ext>
+            </a:extLst>
+          </p:cNvPr>
+          <p:cNvSpPr txBox="1"/>
+          <p:nvPr/>
+        </p:nvSpPr>
+        <p:spPr>
+          <a:xfrm>
+            <a:off x="1023115" y="305942"/>
+            <a:ext cx="9794514" cy="669927"/>
+          </a:xfrm>
+          <a:prstGeom prst="rect">
+            <a:avLst/>
+          </a:prstGeom>
+          <a:noFill/>
+        </p:spPr>
+        <p:txBody>
+          <a:bodyPr wrap="square" rtlCol="0">
+            <a:spAutoFit/>
+          </a:bodyPr>
+          <a:lstStyle/>
+          <a:p>
+            <a:pPr>
+              <a:lnSpc>
+                <a:spcPct val="150000"/>
+              </a:lnSpc>
+            </a:pPr>
+            <a:r>
+              <a:rPr lang="en-US" altLang="zh-CN" sz="2800" b="0" i="0" dirty="0">
+                <a:solidFill>
+                  <a:srgbClr val="000000"/>
+                </a:solidFill>
+                <a:effectLst/>
+                <a:latin typeface="Arial" panose="020B0604020202020204" pitchFamily="34" charset="0"/>
+              </a:rPr>
+              <a:t>HI feature</a:t>
+            </a:r>
+            <a:endParaRPr lang="en-US" altLang="zh-CN" sz="2800" b="1" dirty="0">
+              <a:latin typeface="+mn-ea"/>
+            </a:endParaRPr>
+          </a:p>
+        </p:txBody>
+      </p:sp>
+      <p:pic>
+        <p:nvPicPr>
+          <p:cNvPr id="12" name="图片 11">
+            <a:extLst>
+              <a:ext uri="{FF2B5EF4-FFF2-40B4-BE49-F238E27FC236}">
+                <a16:creationId xmlns:a16="http://schemas.microsoft.com/office/drawing/2014/main" id="{CE0DE971-1827-1F09-D900-4D8E6C4E91A9}"/>
+              </a:ext>
+            </a:extLst>
+          </p:cNvPr>
+          <p:cNvPicPr>
+            <a:picLocks noChangeAspect="1"/>
+          </p:cNvPicPr>
+          <p:nvPr/>
+        </p:nvPicPr>
+        <p:blipFill>
+          <a:blip r:embed="rId2"/>
+          <a:stretch>
+            <a:fillRect/>
+          </a:stretch>
+        </p:blipFill>
+        <p:spPr>
+          <a:xfrm>
+            <a:off x="509145" y="1231490"/>
+            <a:ext cx="3373455" cy="5046424"/>
+          </a:xfrm>
+          <a:prstGeom prst="rect">
+            <a:avLst/>
+          </a:prstGeom>
+        </p:spPr>
+      </p:pic>
+      <p:pic>
+        <p:nvPicPr>
+          <p:cNvPr id="5" name="图片 4">
+            <a:extLst>
+              <a:ext uri="{FF2B5EF4-FFF2-40B4-BE49-F238E27FC236}">
+                <a16:creationId xmlns:a16="http://schemas.microsoft.com/office/drawing/2014/main" id="{9CADBAAA-6059-C4E6-5EB2-1804899E5E36}"/>
+              </a:ext>
+            </a:extLst>
+          </p:cNvPr>
+          <p:cNvPicPr>
+            <a:picLocks noChangeAspect="1"/>
+          </p:cNvPicPr>
+          <p:nvPr/>
+        </p:nvPicPr>
+        <p:blipFill>
+          <a:blip r:embed="rId3"/>
+          <a:stretch>
+            <a:fillRect/>
+          </a:stretch>
+        </p:blipFill>
+        <p:spPr>
+          <a:xfrm>
+            <a:off x="4224351" y="1231490"/>
+            <a:ext cx="3392041" cy="5046424"/>
+          </a:xfrm>
+          <a:prstGeom prst="rect">
+            <a:avLst/>
+          </a:prstGeom>
+        </p:spPr>
+      </p:pic>
+      <p:sp>
+        <p:nvSpPr>
+          <p:cNvPr id="6" name="文本框 5">
+            <a:extLst>
+              <a:ext uri="{FF2B5EF4-FFF2-40B4-BE49-F238E27FC236}">
+                <a16:creationId xmlns:a16="http://schemas.microsoft.com/office/drawing/2014/main" id="{175839E0-46FE-9100-D73F-76269B4BAEB7}"/>
+              </a:ext>
+            </a:extLst>
+          </p:cNvPr>
+          <p:cNvSpPr txBox="1"/>
+          <p:nvPr/>
+        </p:nvSpPr>
+        <p:spPr>
+          <a:xfrm>
+            <a:off x="7958143" y="1231490"/>
+            <a:ext cx="3176434" cy="1754326"/>
+          </a:xfrm>
+          <a:prstGeom prst="rect">
+            <a:avLst/>
+          </a:prstGeom>
+          <a:noFill/>
+        </p:spPr>
+        <p:txBody>
+          <a:bodyPr wrap="square">
+            <a:spAutoFit/>
+          </a:bodyPr>
+          <a:lstStyle/>
+          <a:p>
+            <a:r>
+              <a:rPr lang="zh-CN" altLang="en-US" b="0" i="0" dirty="0">
+                <a:solidFill>
+                  <a:srgbClr val="000000"/>
+                </a:solidFill>
+                <a:effectLst/>
+                <a:latin typeface="+mn-ea"/>
+              </a:rPr>
+              <a:t>首先，提取图像的特征，利用自编码器模型进行特征融合</a:t>
+            </a:r>
+            <a:endParaRPr lang="en-US" altLang="zh-CN" b="0" i="0" dirty="0">
+              <a:solidFill>
+                <a:srgbClr val="000000"/>
+              </a:solidFill>
+              <a:effectLst/>
+              <a:latin typeface="+mn-ea"/>
+            </a:endParaRPr>
+          </a:p>
+          <a:p>
+            <a:endParaRPr lang="en-US" altLang="zh-CN" dirty="0">
+              <a:solidFill>
+                <a:srgbClr val="000000"/>
+              </a:solidFill>
+              <a:latin typeface="+mn-ea"/>
+            </a:endParaRPr>
+          </a:p>
+          <a:p>
+            <a:endParaRPr lang="en-US" altLang="zh-CN" b="0" i="0" dirty="0">
+              <a:solidFill>
+                <a:srgbClr val="000000"/>
+              </a:solidFill>
+              <a:effectLst/>
+              <a:latin typeface="+mn-ea"/>
+            </a:endParaRPr>
+          </a:p>
+          <a:p>
+            <a:r>
+              <a:rPr lang="zh-CN" altLang="en-US" dirty="0">
+                <a:solidFill>
+                  <a:srgbClr val="000000"/>
+                </a:solidFill>
+                <a:latin typeface="+mn-ea"/>
+              </a:rPr>
+              <a:t>其次，</a:t>
+            </a:r>
+            <a:r>
+              <a:rPr lang="zh-CN" altLang="en-US" b="0" i="0" dirty="0">
+                <a:solidFill>
+                  <a:srgbClr val="000000"/>
+                </a:solidFill>
+                <a:effectLst/>
+                <a:latin typeface="+mn-ea"/>
+              </a:rPr>
+              <a:t>将融合后的特征输入到</a:t>
+            </a:r>
+            <a:r>
+              <a:rPr lang="en-US" altLang="zh-CN" b="0" i="0" dirty="0">
+                <a:solidFill>
+                  <a:srgbClr val="000000"/>
+                </a:solidFill>
+                <a:effectLst/>
+                <a:latin typeface="+mn-ea"/>
+              </a:rPr>
+              <a:t>DNN</a:t>
+            </a:r>
+            <a:r>
+              <a:rPr lang="zh-CN" altLang="en-US" b="0" i="0" dirty="0">
+                <a:solidFill>
+                  <a:srgbClr val="000000"/>
+                </a:solidFill>
+                <a:effectLst/>
+                <a:latin typeface="+mn-ea"/>
+              </a:rPr>
+              <a:t>模型中</a:t>
+            </a:r>
+            <a:endParaRPr lang="zh-CN" altLang="en-US" dirty="0">
+              <a:latin typeface="+mn-ea"/>
+            </a:endParaRPr>
+          </a:p>
+        </p:txBody>
+      </p:sp>
     </p:spTree>
     <p:extLst>
       <p:ext uri="{BB962C8B-B14F-4D97-AF65-F5344CB8AC3E}">
-        <p14:creationId xmlns:p14="http://schemas.microsoft.com/office/powerpoint/2010/main" val="1492427324"/>
+        <p14:creationId xmlns:p14="http://schemas.microsoft.com/office/powerpoint/2010/main" val="418033017"/>
       </p:ext>
     </p:extLst>
   </p:cSld>
@@ -9263,10 +8838,249 @@
           <a:chExt cx="0" cy="0"/>
         </a:xfrm>
       </p:grpSpPr>
+      <p:sp>
+        <p:nvSpPr>
+          <p:cNvPr id="4" name="文本框 3">
+            <a:extLst>
+              <a:ext uri="{FF2B5EF4-FFF2-40B4-BE49-F238E27FC236}">
+                <a16:creationId xmlns:a16="http://schemas.microsoft.com/office/drawing/2014/main" id="{C8C66590-5AA9-4693-8D05-DB6B2C455FC8}"/>
+              </a:ext>
+            </a:extLst>
+          </p:cNvPr>
+          <p:cNvSpPr txBox="1"/>
+          <p:nvPr/>
+        </p:nvSpPr>
+        <p:spPr>
+          <a:xfrm>
+            <a:off x="1023115" y="305942"/>
+            <a:ext cx="9794514" cy="669927"/>
+          </a:xfrm>
+          <a:prstGeom prst="rect">
+            <a:avLst/>
+          </a:prstGeom>
+          <a:noFill/>
+        </p:spPr>
+        <p:txBody>
+          <a:bodyPr wrap="square" rtlCol="0">
+            <a:spAutoFit/>
+          </a:bodyPr>
+          <a:lstStyle/>
+          <a:p>
+            <a:pPr>
+              <a:lnSpc>
+                <a:spcPct val="150000"/>
+              </a:lnSpc>
+            </a:pPr>
+            <a:r>
+              <a:rPr lang="en-US" altLang="zh-CN" sz="2800" b="0" i="0" dirty="0">
+                <a:solidFill>
+                  <a:srgbClr val="000000"/>
+                </a:solidFill>
+                <a:effectLst/>
+                <a:latin typeface="Arial" panose="020B0604020202020204" pitchFamily="34" charset="0"/>
+              </a:rPr>
+              <a:t>HI feature</a:t>
+            </a:r>
+            <a:endParaRPr lang="en-US" altLang="zh-CN" sz="2800" b="1" dirty="0">
+              <a:latin typeface="+mn-ea"/>
+            </a:endParaRPr>
+          </a:p>
+        </p:txBody>
+      </p:sp>
+      <p:sp>
+        <p:nvSpPr>
+          <p:cNvPr id="8" name="文本框 7">
+            <a:extLst>
+              <a:ext uri="{FF2B5EF4-FFF2-40B4-BE49-F238E27FC236}">
+                <a16:creationId xmlns:a16="http://schemas.microsoft.com/office/drawing/2014/main" id="{B4932440-D5FF-68B6-E951-211719B35037}"/>
+              </a:ext>
+            </a:extLst>
+          </p:cNvPr>
+          <p:cNvSpPr txBox="1"/>
+          <p:nvPr/>
+        </p:nvSpPr>
+        <p:spPr>
+          <a:xfrm>
+            <a:off x="4713290" y="1609414"/>
+            <a:ext cx="6094770" cy="923330"/>
+          </a:xfrm>
+          <a:prstGeom prst="rect">
+            <a:avLst/>
+          </a:prstGeom>
+          <a:noFill/>
+        </p:spPr>
+        <p:txBody>
+          <a:bodyPr wrap="square">
+            <a:spAutoFit/>
+          </a:bodyPr>
+          <a:lstStyle/>
+          <a:p>
+            <a:r>
+              <a:rPr lang="zh-CN" altLang="en-US" b="0" i="0" dirty="0">
+                <a:solidFill>
+                  <a:srgbClr val="000000"/>
+                </a:solidFill>
+                <a:effectLst/>
+                <a:latin typeface="+mn-ea"/>
+              </a:rPr>
+              <a:t>电池的样本点大小不一致</a:t>
+            </a:r>
+            <a:endParaRPr lang="en-US" altLang="zh-CN" b="0" i="0" dirty="0">
+              <a:solidFill>
+                <a:srgbClr val="000000"/>
+              </a:solidFill>
+              <a:effectLst/>
+              <a:latin typeface="+mn-ea"/>
+            </a:endParaRPr>
+          </a:p>
+          <a:p>
+            <a:endParaRPr lang="en-US" altLang="zh-CN" b="0" i="0" dirty="0">
+              <a:solidFill>
+                <a:srgbClr val="000000"/>
+              </a:solidFill>
+              <a:effectLst/>
+              <a:latin typeface="+mn-ea"/>
+            </a:endParaRPr>
+          </a:p>
+          <a:p>
+            <a:r>
+              <a:rPr lang="zh-CN" altLang="en-US" b="0" i="0" dirty="0">
+                <a:solidFill>
+                  <a:srgbClr val="000000"/>
+                </a:solidFill>
+                <a:effectLst/>
+                <a:latin typeface="+mn-ea"/>
+              </a:rPr>
+              <a:t>直接提取相同间隔的样本数据会丢失一些重要信息</a:t>
+            </a:r>
+            <a:endParaRPr lang="zh-CN" altLang="en-US" dirty="0">
+              <a:latin typeface="+mn-ea"/>
+            </a:endParaRPr>
+          </a:p>
+        </p:txBody>
+      </p:sp>
+      <p:sp>
+        <p:nvSpPr>
+          <p:cNvPr id="10" name="文本框 9">
+            <a:extLst>
+              <a:ext uri="{FF2B5EF4-FFF2-40B4-BE49-F238E27FC236}">
+                <a16:creationId xmlns:a16="http://schemas.microsoft.com/office/drawing/2014/main" id="{7FC814D9-1F1E-EE6D-4486-F2B714418EE5}"/>
+              </a:ext>
+            </a:extLst>
+          </p:cNvPr>
+          <p:cNvSpPr txBox="1"/>
+          <p:nvPr/>
+        </p:nvSpPr>
+        <p:spPr>
+          <a:xfrm>
+            <a:off x="4713290" y="4474403"/>
+            <a:ext cx="6094770" cy="646331"/>
+          </a:xfrm>
+          <a:prstGeom prst="rect">
+            <a:avLst/>
+          </a:prstGeom>
+          <a:noFill/>
+        </p:spPr>
+        <p:txBody>
+          <a:bodyPr wrap="square">
+            <a:spAutoFit/>
+          </a:bodyPr>
+          <a:lstStyle/>
+          <a:p>
+            <a:r>
+              <a:rPr lang="zh-CN" altLang="en-US" b="0" i="0" dirty="0">
+                <a:solidFill>
+                  <a:srgbClr val="000000"/>
+                </a:solidFill>
+                <a:effectLst/>
+                <a:latin typeface="+mn-ea"/>
+              </a:rPr>
+              <a:t>信息表征与信息维度之间存在正相关关系。信息维度越多，信息表示能力越强</a:t>
+            </a:r>
+            <a:endParaRPr lang="zh-CN" altLang="en-US" dirty="0">
+              <a:latin typeface="+mn-ea"/>
+            </a:endParaRPr>
+          </a:p>
+        </p:txBody>
+      </p:sp>
+      <p:pic>
+        <p:nvPicPr>
+          <p:cNvPr id="15" name="图片 14">
+            <a:extLst>
+              <a:ext uri="{FF2B5EF4-FFF2-40B4-BE49-F238E27FC236}">
+                <a16:creationId xmlns:a16="http://schemas.microsoft.com/office/drawing/2014/main" id="{9732C26D-398C-8F72-E3A0-D4C3CCE316FF}"/>
+              </a:ext>
+            </a:extLst>
+          </p:cNvPr>
+          <p:cNvPicPr>
+            <a:picLocks noChangeAspect="1"/>
+          </p:cNvPicPr>
+          <p:nvPr/>
+        </p:nvPicPr>
+        <p:blipFill>
+          <a:blip r:embed="rId2"/>
+          <a:stretch>
+            <a:fillRect/>
+          </a:stretch>
+        </p:blipFill>
+        <p:spPr>
+          <a:xfrm>
+            <a:off x="892120" y="1242710"/>
+            <a:ext cx="3392041" cy="5046424"/>
+          </a:xfrm>
+          <a:prstGeom prst="rect">
+            <a:avLst/>
+          </a:prstGeom>
+        </p:spPr>
+      </p:pic>
+      <p:sp>
+        <p:nvSpPr>
+          <p:cNvPr id="17" name="文本框 16">
+            <a:extLst>
+              <a:ext uri="{FF2B5EF4-FFF2-40B4-BE49-F238E27FC236}">
+                <a16:creationId xmlns:a16="http://schemas.microsoft.com/office/drawing/2014/main" id="{099316F9-419C-D0CD-65F6-6A8EE047D66D}"/>
+              </a:ext>
+            </a:extLst>
+          </p:cNvPr>
+          <p:cNvSpPr txBox="1"/>
+          <p:nvPr/>
+        </p:nvSpPr>
+        <p:spPr>
+          <a:xfrm>
+            <a:off x="4712996" y="3343874"/>
+            <a:ext cx="6095064" cy="369332"/>
+          </a:xfrm>
+          <a:prstGeom prst="rect">
+            <a:avLst/>
+          </a:prstGeom>
+          <a:noFill/>
+        </p:spPr>
+        <p:txBody>
+          <a:bodyPr wrap="square">
+            <a:spAutoFit/>
+          </a:bodyPr>
+          <a:lstStyle/>
+          <a:p>
+            <a:r>
+              <a:rPr lang="zh-CN" altLang="en-US" b="0" i="0" dirty="0">
+                <a:solidFill>
+                  <a:srgbClr val="000000"/>
+                </a:solidFill>
+                <a:effectLst/>
+                <a:latin typeface="+mn-ea"/>
+              </a:rPr>
+              <a:t>提取典型的几何特征信息</a:t>
+            </a:r>
+            <a:endParaRPr lang="zh-CN" altLang="en-US" dirty="0">
+              <a:latin typeface="+mn-ea"/>
+            </a:endParaRPr>
+          </a:p>
+        </p:txBody>
+      </p:sp>
     </p:spTree>
     <p:extLst>
       <p:ext uri="{BB962C8B-B14F-4D97-AF65-F5344CB8AC3E}">
-        <p14:creationId xmlns:p14="http://schemas.microsoft.com/office/powerpoint/2010/main" val="3756256134"/>
+        <p14:creationId xmlns:p14="http://schemas.microsoft.com/office/powerpoint/2010/main" val="976856484"/>
       </p:ext>
     </p:extLst>
   </p:cSld>
